--- a/PPT/03--代码补全技术方案解析.pptx
+++ b/PPT/03--代码补全技术方案解析.pptx
@@ -26,8 +26,8 @@
     <p:sldId id="273" r:id="rId20"/>
     <p:sldId id="274" r:id="rId21"/>
     <p:sldId id="275" r:id="rId22"/>
-    <p:sldId id="268" r:id="rId23"/>
-    <p:sldId id="276" r:id="rId24"/>
+    <p:sldId id="276" r:id="rId23"/>
+    <p:sldId id="268" r:id="rId24"/>
     <p:sldId id="277" r:id="rId25"/>
     <p:sldId id="278" r:id="rId26"/>
     <p:sldId id="279" r:id="rId27"/>
@@ -3656,7 +3656,7 @@
           <a:p>
             <a:fld id="{2865F901-3545-4C99-8125-1B091DC9197A}" type="datetimeFigureOut">
               <a:rPr lang="zh-CN" altLang="en-US" smtClean="0"/>
-              <a:t>2022/11/21</a:t>
+              <a:t>2022/12/28</a:t>
             </a:fld>
             <a:endParaRPr lang="zh-CN" altLang="en-US"/>
           </a:p>
@@ -3854,7 +3854,7 @@
           <a:p>
             <a:fld id="{2865F901-3545-4C99-8125-1B091DC9197A}" type="datetimeFigureOut">
               <a:rPr lang="zh-CN" altLang="en-US" smtClean="0"/>
-              <a:t>2022/11/21</a:t>
+              <a:t>2022/12/28</a:t>
             </a:fld>
             <a:endParaRPr lang="zh-CN" altLang="en-US"/>
           </a:p>
@@ -4062,7 +4062,7 @@
           <a:p>
             <a:fld id="{2865F901-3545-4C99-8125-1B091DC9197A}" type="datetimeFigureOut">
               <a:rPr lang="zh-CN" altLang="en-US" smtClean="0"/>
-              <a:t>2022/11/21</a:t>
+              <a:t>2022/12/28</a:t>
             </a:fld>
             <a:endParaRPr lang="zh-CN" altLang="en-US"/>
           </a:p>
@@ -4260,7 +4260,7 @@
           <a:p>
             <a:fld id="{2865F901-3545-4C99-8125-1B091DC9197A}" type="datetimeFigureOut">
               <a:rPr lang="zh-CN" altLang="en-US" smtClean="0"/>
-              <a:t>2022/11/21</a:t>
+              <a:t>2022/12/28</a:t>
             </a:fld>
             <a:endParaRPr lang="zh-CN" altLang="en-US"/>
           </a:p>
@@ -4535,7 +4535,7 @@
           <a:p>
             <a:fld id="{2865F901-3545-4C99-8125-1B091DC9197A}" type="datetimeFigureOut">
               <a:rPr lang="zh-CN" altLang="en-US" smtClean="0"/>
-              <a:t>2022/11/21</a:t>
+              <a:t>2022/12/28</a:t>
             </a:fld>
             <a:endParaRPr lang="zh-CN" altLang="en-US"/>
           </a:p>
@@ -4800,7 +4800,7 @@
           <a:p>
             <a:fld id="{2865F901-3545-4C99-8125-1B091DC9197A}" type="datetimeFigureOut">
               <a:rPr lang="zh-CN" altLang="en-US" smtClean="0"/>
-              <a:t>2022/11/21</a:t>
+              <a:t>2022/12/28</a:t>
             </a:fld>
             <a:endParaRPr lang="zh-CN" altLang="en-US"/>
           </a:p>
@@ -5212,7 +5212,7 @@
           <a:p>
             <a:fld id="{2865F901-3545-4C99-8125-1B091DC9197A}" type="datetimeFigureOut">
               <a:rPr lang="zh-CN" altLang="en-US" smtClean="0"/>
-              <a:t>2022/11/21</a:t>
+              <a:t>2022/12/28</a:t>
             </a:fld>
             <a:endParaRPr lang="zh-CN" altLang="en-US"/>
           </a:p>
@@ -5353,7 +5353,7 @@
           <a:p>
             <a:fld id="{2865F901-3545-4C99-8125-1B091DC9197A}" type="datetimeFigureOut">
               <a:rPr lang="zh-CN" altLang="en-US" smtClean="0"/>
-              <a:t>2022/11/21</a:t>
+              <a:t>2022/12/28</a:t>
             </a:fld>
             <a:endParaRPr lang="zh-CN" altLang="en-US"/>
           </a:p>
@@ -5466,7 +5466,7 @@
           <a:p>
             <a:fld id="{2865F901-3545-4C99-8125-1B091DC9197A}" type="datetimeFigureOut">
               <a:rPr lang="zh-CN" altLang="en-US" smtClean="0"/>
-              <a:t>2022/11/21</a:t>
+              <a:t>2022/12/28</a:t>
             </a:fld>
             <a:endParaRPr lang="zh-CN" altLang="en-US"/>
           </a:p>
@@ -5777,7 +5777,7 @@
           <a:p>
             <a:fld id="{2865F901-3545-4C99-8125-1B091DC9197A}" type="datetimeFigureOut">
               <a:rPr lang="zh-CN" altLang="en-US" smtClean="0"/>
-              <a:t>2022/11/21</a:t>
+              <a:t>2022/12/28</a:t>
             </a:fld>
             <a:endParaRPr lang="zh-CN" altLang="en-US"/>
           </a:p>
@@ -6065,7 +6065,7 @@
           <a:p>
             <a:fld id="{2865F901-3545-4C99-8125-1B091DC9197A}" type="datetimeFigureOut">
               <a:rPr lang="zh-CN" altLang="en-US" smtClean="0"/>
-              <a:t>2022/11/21</a:t>
+              <a:t>2022/12/28</a:t>
             </a:fld>
             <a:endParaRPr lang="zh-CN" altLang="en-US"/>
           </a:p>
@@ -6306,7 +6306,7 @@
           <a:p>
             <a:fld id="{2865F901-3545-4C99-8125-1B091DC9197A}" type="datetimeFigureOut">
               <a:rPr lang="zh-CN" altLang="en-US" smtClean="0"/>
-              <a:t>2022/11/21</a:t>
+              <a:t>2022/12/28</a:t>
             </a:fld>
             <a:endParaRPr lang="zh-CN" altLang="en-US"/>
           </a:p>
@@ -14203,7 +14203,7 @@
           <p:cNvPr id="2" name="文本框 1">
             <a:extLst>
               <a:ext uri="{FF2B5EF4-FFF2-40B4-BE49-F238E27FC236}">
-                <a16:creationId xmlns:a16="http://schemas.microsoft.com/office/drawing/2014/main" id="{9BCE60B4-B959-0653-AD91-114E317509D8}"/>
+                <a16:creationId xmlns:a16="http://schemas.microsoft.com/office/drawing/2014/main" id="{47B11F6E-142D-5FA1-AF53-E6EBA771C533}"/>
               </a:ext>
             </a:extLst>
           </p:cNvPr>
@@ -14212,8 +14212,8 @@
         </p:nvSpPr>
         <p:spPr>
           <a:xfrm>
-            <a:off x="2673187" y="2556127"/>
-            <a:ext cx="6362639" cy="584775"/>
+            <a:off x="7531215" y="1246464"/>
+            <a:ext cx="1005403" cy="338554"/>
           </a:xfrm>
           <a:prstGeom prst="rect">
             <a:avLst/>
@@ -14227,9 +14227,622 @@
           <a:lstStyle/>
           <a:p>
             <a:r>
-              <a:rPr lang="en-US" altLang="zh-CN" sz="3200" b="1" dirty="0">
+              <a:rPr lang="zh-CN" altLang="en-US" sz="1600" dirty="0">
+                <a:latin typeface="宋体" panose="02010600030101010101" pitchFamily="2" charset="-122"/>
+                <a:ea typeface="宋体" panose="02010600030101010101" pitchFamily="2" charset="-122"/>
+                <a:cs typeface="Times New Roman" panose="02020603050405020304" pitchFamily="18" charset="0"/>
+              </a:rPr>
+              <a:t>模型推理</a:t>
+            </a:r>
+          </a:p>
+        </p:txBody>
+      </p:sp>
+      <p:sp>
+        <p:nvSpPr>
+          <p:cNvPr id="3" name="文本框 2">
+            <a:extLst>
+              <a:ext uri="{FF2B5EF4-FFF2-40B4-BE49-F238E27FC236}">
+                <a16:creationId xmlns:a16="http://schemas.microsoft.com/office/drawing/2014/main" id="{CF60C5F4-CA46-17B9-66A6-E021A8169E5F}"/>
+              </a:ext>
+            </a:extLst>
+          </p:cNvPr>
+          <p:cNvSpPr txBox="1"/>
+          <p:nvPr/>
+        </p:nvSpPr>
+        <p:spPr>
+          <a:xfrm>
+            <a:off x="9700487" y="2366056"/>
+            <a:ext cx="2079415" cy="338554"/>
+          </a:xfrm>
+          <a:prstGeom prst="rect">
+            <a:avLst/>
+          </a:prstGeom>
+          <a:noFill/>
+        </p:spPr>
+        <p:txBody>
+          <a:bodyPr wrap="none" rtlCol="0">
+            <a:spAutoFit/>
+          </a:bodyPr>
+          <a:lstStyle/>
+          <a:p>
+            <a:r>
+              <a:rPr lang="zh-CN" altLang="en-US" sz="1600" dirty="0">
+                <a:latin typeface="Times New Roman" panose="02020603050405020304" pitchFamily="18" charset="0"/>
+                <a:ea typeface="宋体" panose="02010600030101010101" pitchFamily="2" charset="-122"/>
+                <a:cs typeface="Times New Roman" panose="02020603050405020304" pitchFamily="18" charset="0"/>
+              </a:rPr>
+              <a:t>将</a:t>
+            </a:r>
+            <a:r>
+              <a:rPr lang="en-US" altLang="zh-CN" sz="1600" dirty="0">
+                <a:latin typeface="Times New Roman" panose="02020603050405020304" pitchFamily="18" charset="0"/>
+                <a:ea typeface="宋体" panose="02010600030101010101" pitchFamily="2" charset="-122"/>
+                <a:cs typeface="Times New Roman" panose="02020603050405020304" pitchFamily="18" charset="0"/>
+              </a:rPr>
+              <a:t>key-value</a:t>
+            </a:r>
+            <a:r>
+              <a:rPr lang="zh-CN" altLang="en-US" sz="1600" dirty="0">
+                <a:latin typeface="Times New Roman" panose="02020603050405020304" pitchFamily="18" charset="0"/>
+                <a:ea typeface="宋体" panose="02010600030101010101" pitchFamily="2" charset="-122"/>
+                <a:cs typeface="Times New Roman" panose="02020603050405020304" pitchFamily="18" charset="0"/>
+              </a:rPr>
+              <a:t>存入</a:t>
+            </a:r>
+            <a:r>
+              <a:rPr lang="en-US" altLang="zh-CN" sz="1600" dirty="0">
+                <a:latin typeface="Times New Roman" panose="02020603050405020304" pitchFamily="18" charset="0"/>
+                <a:ea typeface="宋体" panose="02010600030101010101" pitchFamily="2" charset="-122"/>
+                <a:cs typeface="Times New Roman" panose="02020603050405020304" pitchFamily="18" charset="0"/>
+              </a:rPr>
+              <a:t>Redis</a:t>
+            </a:r>
+            <a:endParaRPr lang="zh-CN" altLang="en-US" sz="1600" dirty="0">
+              <a:latin typeface="Times New Roman" panose="02020603050405020304" pitchFamily="18" charset="0"/>
+              <a:ea typeface="宋体" panose="02010600030101010101" pitchFamily="2" charset="-122"/>
+              <a:cs typeface="Times New Roman" panose="02020603050405020304" pitchFamily="18" charset="0"/>
+            </a:endParaRPr>
+          </a:p>
+        </p:txBody>
+      </p:sp>
+      <p:sp>
+        <p:nvSpPr>
+          <p:cNvPr id="4" name="矩形 3">
+            <a:extLst>
+              <a:ext uri="{FF2B5EF4-FFF2-40B4-BE49-F238E27FC236}">
+                <a16:creationId xmlns:a16="http://schemas.microsoft.com/office/drawing/2014/main" id="{893C7FE9-83E4-B313-01DC-8BEE285292F7}"/>
+              </a:ext>
+            </a:extLst>
+          </p:cNvPr>
+          <p:cNvSpPr/>
+          <p:nvPr/>
+        </p:nvSpPr>
+        <p:spPr>
+          <a:xfrm>
+            <a:off x="138924" y="2442682"/>
+            <a:ext cx="1009990" cy="391945"/>
+          </a:xfrm>
+          <a:prstGeom prst="rect">
+            <a:avLst/>
+          </a:prstGeom>
+          <a:noFill/>
+          <a:ln w="19050">
+            <a:solidFill>
+              <a:srgbClr val="00B0F0"/>
+            </a:solidFill>
+          </a:ln>
+        </p:spPr>
+        <p:style>
+          <a:lnRef idx="2">
+            <a:schemeClr val="accent1">
+              <a:shade val="50000"/>
+            </a:schemeClr>
+          </a:lnRef>
+          <a:fillRef idx="1">
+            <a:schemeClr val="accent1"/>
+          </a:fillRef>
+          <a:effectRef idx="0">
+            <a:schemeClr val="accent1"/>
+          </a:effectRef>
+          <a:fontRef idx="minor">
+            <a:schemeClr val="lt1"/>
+          </a:fontRef>
+        </p:style>
+        <p:txBody>
+          <a:bodyPr rtlCol="0" anchor="ctr"/>
+          <a:lstStyle/>
+          <a:p>
+            <a:pPr algn="ctr"/>
+            <a:endParaRPr lang="zh-CN" altLang="en-US"/>
+          </a:p>
+        </p:txBody>
+      </p:sp>
+      <p:sp>
+        <p:nvSpPr>
+          <p:cNvPr id="5" name="矩形 4">
+            <a:extLst>
+              <a:ext uri="{FF2B5EF4-FFF2-40B4-BE49-F238E27FC236}">
+                <a16:creationId xmlns:a16="http://schemas.microsoft.com/office/drawing/2014/main" id="{A9C16369-B214-D1BB-4706-1266A3503551}"/>
+              </a:ext>
+            </a:extLst>
+          </p:cNvPr>
+          <p:cNvSpPr/>
+          <p:nvPr/>
+        </p:nvSpPr>
+        <p:spPr>
+          <a:xfrm>
+            <a:off x="7423254" y="1132902"/>
+            <a:ext cx="1215957" cy="526796"/>
+          </a:xfrm>
+          <a:prstGeom prst="rect">
+            <a:avLst/>
+          </a:prstGeom>
+          <a:noFill/>
+          <a:ln w="19050">
+            <a:solidFill>
+              <a:srgbClr val="00B0F0"/>
+            </a:solidFill>
+          </a:ln>
+        </p:spPr>
+        <p:style>
+          <a:lnRef idx="2">
+            <a:schemeClr val="accent1">
+              <a:shade val="50000"/>
+            </a:schemeClr>
+          </a:lnRef>
+          <a:fillRef idx="1">
+            <a:schemeClr val="accent1"/>
+          </a:fillRef>
+          <a:effectRef idx="0">
+            <a:schemeClr val="accent1"/>
+          </a:effectRef>
+          <a:fontRef idx="minor">
+            <a:schemeClr val="lt1"/>
+          </a:fontRef>
+        </p:style>
+        <p:txBody>
+          <a:bodyPr rtlCol="0" anchor="ctr"/>
+          <a:lstStyle/>
+          <a:p>
+            <a:pPr algn="ctr"/>
+            <a:endParaRPr lang="zh-CN" altLang="en-US"/>
+          </a:p>
+        </p:txBody>
+      </p:sp>
+      <p:sp>
+        <p:nvSpPr>
+          <p:cNvPr id="6" name="矩形 5">
+            <a:extLst>
+              <a:ext uri="{FF2B5EF4-FFF2-40B4-BE49-F238E27FC236}">
+                <a16:creationId xmlns:a16="http://schemas.microsoft.com/office/drawing/2014/main" id="{F1156FE1-876E-2BA7-D5C0-E7899AADFB42}"/>
+              </a:ext>
+            </a:extLst>
+          </p:cNvPr>
+          <p:cNvSpPr/>
+          <p:nvPr/>
+        </p:nvSpPr>
+        <p:spPr>
+          <a:xfrm>
+            <a:off x="9610719" y="2231802"/>
+            <a:ext cx="2113731" cy="542382"/>
+          </a:xfrm>
+          <a:prstGeom prst="rect">
+            <a:avLst/>
+          </a:prstGeom>
+          <a:noFill/>
+          <a:ln w="19050">
+            <a:solidFill>
+              <a:srgbClr val="00B0F0"/>
+            </a:solidFill>
+          </a:ln>
+        </p:spPr>
+        <p:style>
+          <a:lnRef idx="2">
+            <a:schemeClr val="accent1">
+              <a:shade val="50000"/>
+            </a:schemeClr>
+          </a:lnRef>
+          <a:fillRef idx="1">
+            <a:schemeClr val="accent1"/>
+          </a:fillRef>
+          <a:effectRef idx="0">
+            <a:schemeClr val="accent1"/>
+          </a:effectRef>
+          <a:fontRef idx="minor">
+            <a:schemeClr val="lt1"/>
+          </a:fontRef>
+        </p:style>
+        <p:txBody>
+          <a:bodyPr rtlCol="0" anchor="ctr"/>
+          <a:lstStyle/>
+          <a:p>
+            <a:pPr algn="ctr"/>
+            <a:endParaRPr lang="zh-CN" altLang="en-US"/>
+          </a:p>
+        </p:txBody>
+      </p:sp>
+      <p:sp>
+        <p:nvSpPr>
+          <p:cNvPr id="7" name="文本框 6">
+            <a:extLst>
+              <a:ext uri="{FF2B5EF4-FFF2-40B4-BE49-F238E27FC236}">
+                <a16:creationId xmlns:a16="http://schemas.microsoft.com/office/drawing/2014/main" id="{01B2837D-708C-3881-8386-3EC2BC4C7B3B}"/>
+              </a:ext>
+            </a:extLst>
+          </p:cNvPr>
+          <p:cNvSpPr txBox="1"/>
+          <p:nvPr/>
+        </p:nvSpPr>
+        <p:spPr>
+          <a:xfrm>
+            <a:off x="1523285" y="2122782"/>
+            <a:ext cx="663964" cy="338554"/>
+          </a:xfrm>
+          <a:prstGeom prst="rect">
+            <a:avLst/>
+          </a:prstGeom>
+          <a:noFill/>
+        </p:spPr>
+        <p:txBody>
+          <a:bodyPr wrap="none" rtlCol="0">
+            <a:spAutoFit/>
+          </a:bodyPr>
+          <a:lstStyle/>
+          <a:p>
+            <a:r>
+              <a:rPr lang="en-US" altLang="zh-CN" sz="1600" b="1" i="1" dirty="0">
+                <a:latin typeface="Times New Roman" panose="02020603050405020304" pitchFamily="18" charset="0"/>
+                <a:cs typeface="Times New Roman" panose="02020603050405020304" pitchFamily="18" charset="0"/>
+              </a:rPr>
+              <a:t>query</a:t>
+            </a:r>
+            <a:endParaRPr lang="zh-CN" altLang="en-US" sz="1600" b="1" i="1" dirty="0">
+              <a:latin typeface="Times New Roman" panose="02020603050405020304" pitchFamily="18" charset="0"/>
+              <a:cs typeface="Times New Roman" panose="02020603050405020304" pitchFamily="18" charset="0"/>
+            </a:endParaRPr>
+          </a:p>
+        </p:txBody>
+      </p:sp>
+      <p:cxnSp>
+        <p:nvCxnSpPr>
+          <p:cNvPr id="8" name="直接箭头连接符 7">
+            <a:extLst>
+              <a:ext uri="{FF2B5EF4-FFF2-40B4-BE49-F238E27FC236}">
+                <a16:creationId xmlns:a16="http://schemas.microsoft.com/office/drawing/2014/main" id="{E8FE62BD-6081-0862-475E-04E21D728D29}"/>
+              </a:ext>
+            </a:extLst>
+          </p:cNvPr>
+          <p:cNvCxnSpPr>
+            <a:cxnSpLocks/>
+          </p:cNvCxnSpPr>
+          <p:nvPr/>
+        </p:nvCxnSpPr>
+        <p:spPr>
+          <a:xfrm flipV="1">
+            <a:off x="1407541" y="2466957"/>
+            <a:ext cx="1567061" cy="15363"/>
+          </a:xfrm>
+          <a:prstGeom prst="straightConnector1">
+            <a:avLst/>
+          </a:prstGeom>
+          <a:ln w="12700">
+            <a:tailEnd type="triangle"/>
+          </a:ln>
+        </p:spPr>
+        <p:style>
+          <a:lnRef idx="1">
+            <a:schemeClr val="accent1"/>
+          </a:lnRef>
+          <a:fillRef idx="0">
+            <a:schemeClr val="accent1"/>
+          </a:fillRef>
+          <a:effectRef idx="0">
+            <a:schemeClr val="accent1"/>
+          </a:effectRef>
+          <a:fontRef idx="minor">
+            <a:schemeClr val="tx1"/>
+          </a:fontRef>
+        </p:style>
+      </p:cxnSp>
+      <p:sp>
+        <p:nvSpPr>
+          <p:cNvPr id="9" name="文本框 8">
+            <a:extLst>
+              <a:ext uri="{FF2B5EF4-FFF2-40B4-BE49-F238E27FC236}">
+                <a16:creationId xmlns:a16="http://schemas.microsoft.com/office/drawing/2014/main" id="{501C8433-81D1-2C2C-7A1A-B31E515882FB}"/>
+              </a:ext>
+            </a:extLst>
+          </p:cNvPr>
+          <p:cNvSpPr txBox="1"/>
+          <p:nvPr/>
+        </p:nvSpPr>
+        <p:spPr>
+          <a:xfrm>
+            <a:off x="1561426" y="2837183"/>
+            <a:ext cx="744114" cy="276999"/>
+          </a:xfrm>
+          <a:prstGeom prst="rect">
+            <a:avLst/>
+          </a:prstGeom>
+          <a:noFill/>
+        </p:spPr>
+        <p:txBody>
+          <a:bodyPr wrap="none" rtlCol="0">
+            <a:spAutoFit/>
+          </a:bodyPr>
+          <a:lstStyle/>
+          <a:p>
+            <a:r>
+              <a:rPr lang="zh-CN" altLang="en-US" sz="1200" b="1" dirty="0">
+                <a:latin typeface="Times New Roman" panose="02020603050405020304" pitchFamily="18" charset="0"/>
+                <a:ea typeface="宋体" panose="02010600030101010101" pitchFamily="2" charset="-122"/>
+                <a:cs typeface="Times New Roman" panose="02020603050405020304" pitchFamily="18" charset="0"/>
+              </a:rPr>
+              <a:t>命中 </a:t>
+            </a:r>
+            <a:r>
+              <a:rPr lang="en-US" altLang="zh-CN" sz="1200" b="1" dirty="0">
+                <a:latin typeface="Times New Roman" panose="02020603050405020304" pitchFamily="18" charset="0"/>
+                <a:ea typeface="宋体" panose="02010600030101010101" pitchFamily="2" charset="-122"/>
+                <a:cs typeface="Times New Roman" panose="02020603050405020304" pitchFamily="18" charset="0"/>
+              </a:rPr>
+              <a:t>(Y)</a:t>
+            </a:r>
+            <a:endParaRPr lang="zh-CN" altLang="en-US" sz="1200" b="1" dirty="0">
+              <a:latin typeface="Times New Roman" panose="02020603050405020304" pitchFamily="18" charset="0"/>
+              <a:ea typeface="宋体" panose="02010600030101010101" pitchFamily="2" charset="-122"/>
+              <a:cs typeface="Times New Roman" panose="02020603050405020304" pitchFamily="18" charset="0"/>
+            </a:endParaRPr>
+          </a:p>
+        </p:txBody>
+      </p:sp>
+      <p:sp>
+        <p:nvSpPr>
+          <p:cNvPr id="10" name="文本框 9">
+            <a:extLst>
+              <a:ext uri="{FF2B5EF4-FFF2-40B4-BE49-F238E27FC236}">
+                <a16:creationId xmlns:a16="http://schemas.microsoft.com/office/drawing/2014/main" id="{A1B22281-1C71-20BA-1725-B8FB4AD9FC0C}"/>
+              </a:ext>
+            </a:extLst>
+          </p:cNvPr>
+          <p:cNvSpPr txBox="1"/>
+          <p:nvPr/>
+        </p:nvSpPr>
+        <p:spPr>
+          <a:xfrm>
+            <a:off x="5023089" y="2305977"/>
+            <a:ext cx="898003" cy="276999"/>
+          </a:xfrm>
+          <a:prstGeom prst="rect">
+            <a:avLst/>
+          </a:prstGeom>
+          <a:noFill/>
+        </p:spPr>
+        <p:txBody>
+          <a:bodyPr wrap="none" rtlCol="0">
+            <a:spAutoFit/>
+          </a:bodyPr>
+          <a:lstStyle/>
+          <a:p>
+            <a:r>
+              <a:rPr lang="zh-CN" altLang="en-US" sz="1200" b="1" dirty="0">
+                <a:latin typeface="Times New Roman" panose="02020603050405020304" pitchFamily="18" charset="0"/>
+                <a:ea typeface="宋体" panose="02010600030101010101" pitchFamily="2" charset="-122"/>
+                <a:cs typeface="Times New Roman" panose="02020603050405020304" pitchFamily="18" charset="0"/>
+              </a:rPr>
+              <a:t>未命中 </a:t>
+            </a:r>
+            <a:r>
+              <a:rPr lang="en-US" altLang="zh-CN" sz="1200" b="1" dirty="0">
+                <a:latin typeface="Times New Roman" panose="02020603050405020304" pitchFamily="18" charset="0"/>
+                <a:ea typeface="宋体" panose="02010600030101010101" pitchFamily="2" charset="-122"/>
+                <a:cs typeface="Times New Roman" panose="02020603050405020304" pitchFamily="18" charset="0"/>
+              </a:rPr>
+              <a:t>(N)</a:t>
+            </a:r>
+            <a:endParaRPr lang="zh-CN" altLang="en-US" sz="1200" b="1" dirty="0">
+              <a:latin typeface="Times New Roman" panose="02020603050405020304" pitchFamily="18" charset="0"/>
+              <a:ea typeface="宋体" panose="02010600030101010101" pitchFamily="2" charset="-122"/>
+              <a:cs typeface="Times New Roman" panose="02020603050405020304" pitchFamily="18" charset="0"/>
+            </a:endParaRPr>
+          </a:p>
+        </p:txBody>
+      </p:sp>
+      <p:sp>
+        <p:nvSpPr>
+          <p:cNvPr id="11" name="矩形: 圆角 10">
+            <a:extLst>
+              <a:ext uri="{FF2B5EF4-FFF2-40B4-BE49-F238E27FC236}">
+                <a16:creationId xmlns:a16="http://schemas.microsoft.com/office/drawing/2014/main" id="{7F751F36-4BEE-0C47-60C1-92963546AC98}"/>
+              </a:ext>
+            </a:extLst>
+          </p:cNvPr>
+          <p:cNvSpPr/>
+          <p:nvPr/>
+        </p:nvSpPr>
+        <p:spPr>
+          <a:xfrm>
+            <a:off x="2290831" y="1875315"/>
+            <a:ext cx="2750895" cy="1519164"/>
+          </a:xfrm>
+          <a:prstGeom prst="roundRect">
+            <a:avLst/>
+          </a:prstGeom>
+          <a:noFill/>
+          <a:ln>
+            <a:solidFill>
+              <a:schemeClr val="accent6">
+                <a:lumMod val="60000"/>
+                <a:lumOff val="40000"/>
+              </a:schemeClr>
+            </a:solidFill>
+          </a:ln>
+        </p:spPr>
+        <p:style>
+          <a:lnRef idx="2">
+            <a:schemeClr val="accent1">
+              <a:shade val="50000"/>
+            </a:schemeClr>
+          </a:lnRef>
+          <a:fillRef idx="1">
+            <a:schemeClr val="accent1"/>
+          </a:fillRef>
+          <a:effectRef idx="0">
+            <a:schemeClr val="accent1"/>
+          </a:effectRef>
+          <a:fontRef idx="minor">
+            <a:schemeClr val="lt1"/>
+          </a:fontRef>
+        </p:style>
+        <p:txBody>
+          <a:bodyPr rtlCol="0" anchor="ctr"/>
+          <a:lstStyle/>
+          <a:p>
+            <a:pPr algn="ctr"/>
+            <a:endParaRPr lang="zh-CN" altLang="en-US"/>
+          </a:p>
+        </p:txBody>
+      </p:sp>
+      <p:sp>
+        <p:nvSpPr>
+          <p:cNvPr id="12" name="文本框 11">
+            <a:extLst>
+              <a:ext uri="{FF2B5EF4-FFF2-40B4-BE49-F238E27FC236}">
+                <a16:creationId xmlns:a16="http://schemas.microsoft.com/office/drawing/2014/main" id="{EA34C0B9-31CF-64EB-D29F-0F56C9894874}"/>
+              </a:ext>
+            </a:extLst>
+          </p:cNvPr>
+          <p:cNvSpPr txBox="1"/>
+          <p:nvPr/>
+        </p:nvSpPr>
+        <p:spPr>
+          <a:xfrm>
+            <a:off x="7152710" y="686705"/>
+            <a:ext cx="1927093" cy="276999"/>
+          </a:xfrm>
+          <a:prstGeom prst="rect">
+            <a:avLst/>
+          </a:prstGeom>
+          <a:noFill/>
+        </p:spPr>
+        <p:txBody>
+          <a:bodyPr wrap="square" rtlCol="0">
+            <a:spAutoFit/>
+          </a:bodyPr>
+          <a:lstStyle/>
+          <a:p>
+            <a:r>
+              <a:rPr lang="en-US" altLang="zh-CN" sz="1200" dirty="0">
                 <a:solidFill>
-                  <a:schemeClr val="accent2">
+                  <a:srgbClr val="FF0000"/>
+                </a:solidFill>
+                <a:latin typeface="Times New Roman" panose="02020603050405020304" pitchFamily="18" charset="0"/>
+                <a:ea typeface="宋体" panose="02010600030101010101" pitchFamily="2" charset="-122"/>
+                <a:cs typeface="Times New Roman" panose="02020603050405020304" pitchFamily="18" charset="0"/>
+              </a:rPr>
+              <a:t>TorchServe</a:t>
+            </a:r>
+            <a:r>
+              <a:rPr lang="zh-CN" altLang="en-US" sz="1200" dirty="0">
+                <a:solidFill>
+                  <a:srgbClr val="FF0000"/>
+                </a:solidFill>
+                <a:latin typeface="Times New Roman" panose="02020603050405020304" pitchFamily="18" charset="0"/>
+                <a:ea typeface="宋体" panose="02010600030101010101" pitchFamily="2" charset="-122"/>
+                <a:cs typeface="Times New Roman" panose="02020603050405020304" pitchFamily="18" charset="0"/>
+              </a:rPr>
+              <a:t>模型推理模块</a:t>
+            </a:r>
+          </a:p>
+        </p:txBody>
+      </p:sp>
+      <p:sp>
+        <p:nvSpPr>
+          <p:cNvPr id="13" name="矩形: 圆角 12">
+            <a:extLst>
+              <a:ext uri="{FF2B5EF4-FFF2-40B4-BE49-F238E27FC236}">
+                <a16:creationId xmlns:a16="http://schemas.microsoft.com/office/drawing/2014/main" id="{A940227D-7192-677D-7A5A-E6DBF98F695D}"/>
+              </a:ext>
+            </a:extLst>
+          </p:cNvPr>
+          <p:cNvSpPr/>
+          <p:nvPr/>
+        </p:nvSpPr>
+        <p:spPr>
+          <a:xfrm>
+            <a:off x="9422742" y="1946786"/>
+            <a:ext cx="2507439" cy="1219342"/>
+          </a:xfrm>
+          <a:prstGeom prst="roundRect">
+            <a:avLst/>
+          </a:prstGeom>
+          <a:noFill/>
+          <a:ln>
+            <a:solidFill>
+              <a:schemeClr val="accent6">
+                <a:lumMod val="60000"/>
+                <a:lumOff val="40000"/>
+              </a:schemeClr>
+            </a:solidFill>
+          </a:ln>
+        </p:spPr>
+        <p:style>
+          <a:lnRef idx="2">
+            <a:schemeClr val="accent1">
+              <a:shade val="50000"/>
+            </a:schemeClr>
+          </a:lnRef>
+          <a:fillRef idx="1">
+            <a:schemeClr val="accent1"/>
+          </a:fillRef>
+          <a:effectRef idx="0">
+            <a:schemeClr val="accent1"/>
+          </a:effectRef>
+          <a:fontRef idx="minor">
+            <a:schemeClr val="lt1"/>
+          </a:fontRef>
+        </p:style>
+        <p:txBody>
+          <a:bodyPr rtlCol="0" anchor="ctr"/>
+          <a:lstStyle/>
+          <a:p>
+            <a:pPr algn="ctr"/>
+            <a:endParaRPr lang="zh-CN" altLang="en-US"/>
+          </a:p>
+        </p:txBody>
+      </p:sp>
+      <p:sp>
+        <p:nvSpPr>
+          <p:cNvPr id="14" name="文本框 13">
+            <a:extLst>
+              <a:ext uri="{FF2B5EF4-FFF2-40B4-BE49-F238E27FC236}">
+                <a16:creationId xmlns:a16="http://schemas.microsoft.com/office/drawing/2014/main" id="{4C047CBB-CD4C-0670-4373-3E36A1635838}"/>
+              </a:ext>
+            </a:extLst>
+          </p:cNvPr>
+          <p:cNvSpPr txBox="1"/>
+          <p:nvPr/>
+        </p:nvSpPr>
+        <p:spPr>
+          <a:xfrm>
+            <a:off x="10586543" y="2861993"/>
+            <a:ext cx="1343638" cy="276999"/>
+          </a:xfrm>
+          <a:prstGeom prst="rect">
+            <a:avLst/>
+          </a:prstGeom>
+          <a:noFill/>
+        </p:spPr>
+        <p:txBody>
+          <a:bodyPr wrap="none" rtlCol="0">
+            <a:spAutoFit/>
+          </a:bodyPr>
+          <a:lstStyle/>
+          <a:p>
+            <a:r>
+              <a:rPr lang="en-US" altLang="zh-CN" sz="1200" dirty="0">
+                <a:solidFill>
+                  <a:schemeClr val="accent6">
                     <a:lumMod val="75000"/>
                   </a:schemeClr>
                 </a:solidFill>
@@ -14237,12 +14850,12 @@
                 <a:ea typeface="宋体" panose="02010600030101010101" pitchFamily="2" charset="-122"/>
                 <a:cs typeface="Times New Roman" panose="02020603050405020304" pitchFamily="18" charset="0"/>
               </a:rPr>
-              <a:t>03</a:t>
-            </a:r>
-            <a:r>
-              <a:rPr lang="zh-CN" altLang="en-US" sz="3200" b="1" dirty="0">
+              <a:t>Redis </a:t>
+            </a:r>
+            <a:r>
+              <a:rPr lang="zh-CN" altLang="en-US" sz="1200" dirty="0">
                 <a:solidFill>
-                  <a:schemeClr val="accent2">
+                  <a:schemeClr val="accent6">
                     <a:lumMod val="75000"/>
                   </a:schemeClr>
                 </a:solidFill>
@@ -14250,15 +14863,1380 @@
                 <a:ea typeface="宋体" panose="02010600030101010101" pitchFamily="2" charset="-122"/>
                 <a:cs typeface="Times New Roman" panose="02020603050405020304" pitchFamily="18" charset="0"/>
               </a:rPr>
-              <a:t>、代码补全的技术方案整合梳理</a:t>
-            </a:r>
+              <a:t>数据库模块</a:t>
+            </a:r>
+          </a:p>
+        </p:txBody>
+      </p:sp>
+      <p:sp>
+        <p:nvSpPr>
+          <p:cNvPr id="15" name="文本框 14">
+            <a:extLst>
+              <a:ext uri="{FF2B5EF4-FFF2-40B4-BE49-F238E27FC236}">
+                <a16:creationId xmlns:a16="http://schemas.microsoft.com/office/drawing/2014/main" id="{DF0FC1A1-1A3C-3803-6196-7E8C8666E92B}"/>
+              </a:ext>
+            </a:extLst>
+          </p:cNvPr>
+          <p:cNvSpPr txBox="1"/>
+          <p:nvPr/>
+        </p:nvSpPr>
+        <p:spPr>
+          <a:xfrm>
+            <a:off x="5919612" y="475921"/>
+            <a:ext cx="902811" cy="307777"/>
+          </a:xfrm>
+          <a:prstGeom prst="rect">
+            <a:avLst/>
+          </a:prstGeom>
+          <a:noFill/>
+        </p:spPr>
+        <p:txBody>
+          <a:bodyPr wrap="none" rtlCol="0">
+            <a:spAutoFit/>
+          </a:bodyPr>
+          <a:lstStyle/>
+          <a:p>
+            <a:r>
+              <a:rPr lang="zh-CN" altLang="en-US" sz="1400" b="1" dirty="0">
+                <a:latin typeface="宋体" panose="02010600030101010101" pitchFamily="2" charset="-122"/>
+                <a:ea typeface="宋体" panose="02010600030101010101" pitchFamily="2" charset="-122"/>
+              </a:rPr>
+              <a:t>请求转发</a:t>
+            </a:r>
+          </a:p>
+        </p:txBody>
+      </p:sp>
+      <p:sp>
+        <p:nvSpPr>
+          <p:cNvPr id="16" name="矩形: 圆角 15">
+            <a:extLst>
+              <a:ext uri="{FF2B5EF4-FFF2-40B4-BE49-F238E27FC236}">
+                <a16:creationId xmlns:a16="http://schemas.microsoft.com/office/drawing/2014/main" id="{D4E6C3E5-723E-DEDC-1349-961BECF16AC6}"/>
+              </a:ext>
+            </a:extLst>
+          </p:cNvPr>
+          <p:cNvSpPr/>
+          <p:nvPr/>
+        </p:nvSpPr>
+        <p:spPr>
+          <a:xfrm>
+            <a:off x="5958366" y="478266"/>
+            <a:ext cx="829235" cy="336459"/>
+          </a:xfrm>
+          <a:prstGeom prst="roundRect">
+            <a:avLst/>
+          </a:prstGeom>
+          <a:noFill/>
+          <a:ln w="12700">
+            <a:solidFill>
+              <a:schemeClr val="accent1">
+                <a:lumMod val="60000"/>
+                <a:lumOff val="40000"/>
+              </a:schemeClr>
+            </a:solidFill>
+            <a:prstDash val="solid"/>
+            <a:extLst>
+              <a:ext uri="{C807C97D-BFC1-408E-A445-0C87EB9F89A2}">
+                <ask:lineSketchStyleProps xmlns:ask="http://schemas.microsoft.com/office/drawing/2018/sketchyshapes" xmlns="">
+                  <ask:type>
+                    <ask:lineSketchNone/>
+                  </ask:type>
+                </ask:lineSketchStyleProps>
+              </a:ext>
+            </a:extLst>
+          </a:ln>
+        </p:spPr>
+        <p:style>
+          <a:lnRef idx="2">
+            <a:schemeClr val="accent1">
+              <a:shade val="50000"/>
+            </a:schemeClr>
+          </a:lnRef>
+          <a:fillRef idx="1">
+            <a:schemeClr val="accent1"/>
+          </a:fillRef>
+          <a:effectRef idx="0">
+            <a:schemeClr val="accent1"/>
+          </a:effectRef>
+          <a:fontRef idx="minor">
+            <a:schemeClr val="lt1"/>
+          </a:fontRef>
+        </p:style>
+        <p:txBody>
+          <a:bodyPr rtlCol="0" anchor="ctr"/>
+          <a:lstStyle/>
+          <a:p>
+            <a:pPr algn="ctr"/>
+            <a:endParaRPr lang="zh-CN" altLang="en-US"/>
+          </a:p>
+        </p:txBody>
+      </p:sp>
+      <p:sp>
+        <p:nvSpPr>
+          <p:cNvPr id="17" name="文本框 16">
+            <a:extLst>
+              <a:ext uri="{FF2B5EF4-FFF2-40B4-BE49-F238E27FC236}">
+                <a16:creationId xmlns:a16="http://schemas.microsoft.com/office/drawing/2014/main" id="{F83DE860-185A-264B-41F8-5DC0EF2230AC}"/>
+              </a:ext>
+            </a:extLst>
+          </p:cNvPr>
+          <p:cNvSpPr txBox="1"/>
+          <p:nvPr/>
+        </p:nvSpPr>
+        <p:spPr>
+          <a:xfrm>
+            <a:off x="3208641" y="2425072"/>
+            <a:ext cx="1460656" cy="369332"/>
+          </a:xfrm>
+          <a:prstGeom prst="rect">
+            <a:avLst/>
+          </a:prstGeom>
+          <a:noFill/>
+        </p:spPr>
+        <p:txBody>
+          <a:bodyPr wrap="none" rtlCol="0">
+            <a:spAutoFit/>
+          </a:bodyPr>
+          <a:lstStyle/>
+          <a:p>
+            <a:r>
+              <a:rPr lang="en-US" altLang="zh-CN" dirty="0">
+                <a:latin typeface="Times New Roman" panose="02020603050405020304" pitchFamily="18" charset="0"/>
+                <a:cs typeface="Times New Roman" panose="02020603050405020304" pitchFamily="18" charset="0"/>
+              </a:rPr>
+              <a:t>Redis </a:t>
+            </a:r>
+            <a:r>
+              <a:rPr lang="zh-CN" altLang="en-US" dirty="0">
+                <a:latin typeface="宋体" panose="02010600030101010101" pitchFamily="2" charset="-122"/>
+                <a:ea typeface="宋体" panose="02010600030101010101" pitchFamily="2" charset="-122"/>
+                <a:cs typeface="Times New Roman" panose="02020603050405020304" pitchFamily="18" charset="0"/>
+              </a:rPr>
+              <a:t>数据库</a:t>
+            </a:r>
+          </a:p>
+        </p:txBody>
+      </p:sp>
+      <p:sp>
+        <p:nvSpPr>
+          <p:cNvPr id="18" name="矩形 17">
+            <a:extLst>
+              <a:ext uri="{FF2B5EF4-FFF2-40B4-BE49-F238E27FC236}">
+                <a16:creationId xmlns:a16="http://schemas.microsoft.com/office/drawing/2014/main" id="{0F22E902-F46D-7273-DF2A-379BB9AC55E5}"/>
+              </a:ext>
+            </a:extLst>
+          </p:cNvPr>
+          <p:cNvSpPr/>
+          <p:nvPr/>
+        </p:nvSpPr>
+        <p:spPr>
+          <a:xfrm>
+            <a:off x="3124542" y="2318253"/>
+            <a:ext cx="1628854" cy="631902"/>
+          </a:xfrm>
+          <a:prstGeom prst="rect">
+            <a:avLst/>
+          </a:prstGeom>
+          <a:noFill/>
+          <a:ln w="19050">
+            <a:solidFill>
+              <a:srgbClr val="00B0F0"/>
+            </a:solidFill>
+          </a:ln>
+        </p:spPr>
+        <p:style>
+          <a:lnRef idx="2">
+            <a:schemeClr val="accent1">
+              <a:shade val="50000"/>
+            </a:schemeClr>
+          </a:lnRef>
+          <a:fillRef idx="1">
+            <a:schemeClr val="accent1"/>
+          </a:fillRef>
+          <a:effectRef idx="0">
+            <a:schemeClr val="accent1"/>
+          </a:effectRef>
+          <a:fontRef idx="minor">
+            <a:schemeClr val="lt1"/>
+          </a:fontRef>
+        </p:style>
+        <p:txBody>
+          <a:bodyPr rtlCol="0" anchor="ctr"/>
+          <a:lstStyle/>
+          <a:p>
+            <a:pPr algn="ctr"/>
+            <a:endParaRPr lang="zh-CN" altLang="en-US"/>
+          </a:p>
+        </p:txBody>
+      </p:sp>
+      <p:sp>
+        <p:nvSpPr>
+          <p:cNvPr id="19" name="文本框 18">
+            <a:extLst>
+              <a:ext uri="{FF2B5EF4-FFF2-40B4-BE49-F238E27FC236}">
+                <a16:creationId xmlns:a16="http://schemas.microsoft.com/office/drawing/2014/main" id="{F281C7D5-048B-6D42-368B-CEE75DB71B6C}"/>
+              </a:ext>
+            </a:extLst>
+          </p:cNvPr>
+          <p:cNvSpPr txBox="1"/>
+          <p:nvPr/>
+        </p:nvSpPr>
+        <p:spPr>
+          <a:xfrm>
+            <a:off x="3036158" y="1936109"/>
+            <a:ext cx="902811" cy="307777"/>
+          </a:xfrm>
+          <a:prstGeom prst="rect">
+            <a:avLst/>
+          </a:prstGeom>
+          <a:noFill/>
+        </p:spPr>
+        <p:txBody>
+          <a:bodyPr wrap="none" rtlCol="0">
+            <a:spAutoFit/>
+          </a:bodyPr>
+          <a:lstStyle/>
+          <a:p>
+            <a:r>
+              <a:rPr lang="zh-CN" altLang="en-US" sz="1400" b="1" dirty="0">
+                <a:latin typeface="宋体" panose="02010600030101010101" pitchFamily="2" charset="-122"/>
+                <a:ea typeface="宋体" panose="02010600030101010101" pitchFamily="2" charset="-122"/>
+              </a:rPr>
+              <a:t>查询操作</a:t>
+            </a:r>
+          </a:p>
+        </p:txBody>
+      </p:sp>
+      <p:sp>
+        <p:nvSpPr>
+          <p:cNvPr id="20" name="文本框 19">
+            <a:extLst>
+              <a:ext uri="{FF2B5EF4-FFF2-40B4-BE49-F238E27FC236}">
+                <a16:creationId xmlns:a16="http://schemas.microsoft.com/office/drawing/2014/main" id="{2115A196-2FEA-CE0F-C99C-B13A124996E9}"/>
+              </a:ext>
+            </a:extLst>
+          </p:cNvPr>
+          <p:cNvSpPr txBox="1"/>
+          <p:nvPr/>
+        </p:nvSpPr>
+        <p:spPr>
+          <a:xfrm>
+            <a:off x="130625" y="2463001"/>
+            <a:ext cx="1056700" cy="369332"/>
+          </a:xfrm>
+          <a:prstGeom prst="rect">
+            <a:avLst/>
+          </a:prstGeom>
+          <a:noFill/>
+        </p:spPr>
+        <p:txBody>
+          <a:bodyPr wrap="none" rtlCol="0">
+            <a:spAutoFit/>
+          </a:bodyPr>
+          <a:lstStyle/>
+          <a:p>
+            <a:r>
+              <a:rPr lang="en-US" altLang="zh-CN" dirty="0">
+                <a:latin typeface="Times New Roman" panose="02020603050405020304" pitchFamily="18" charset="0"/>
+                <a:cs typeface="Times New Roman" panose="02020603050405020304" pitchFamily="18" charset="0"/>
+              </a:rPr>
+              <a:t>code-hint</a:t>
+            </a:r>
+            <a:endParaRPr lang="zh-CN" altLang="en-US" dirty="0">
+              <a:latin typeface="Times New Roman" panose="02020603050405020304" pitchFamily="18" charset="0"/>
+              <a:cs typeface="Times New Roman" panose="02020603050405020304" pitchFamily="18" charset="0"/>
+            </a:endParaRPr>
+          </a:p>
+        </p:txBody>
+      </p:sp>
+      <p:cxnSp>
+        <p:nvCxnSpPr>
+          <p:cNvPr id="21" name="直接箭头连接符 20">
+            <a:extLst>
+              <a:ext uri="{FF2B5EF4-FFF2-40B4-BE49-F238E27FC236}">
+                <a16:creationId xmlns:a16="http://schemas.microsoft.com/office/drawing/2014/main" id="{91F698CC-2DCD-1B5A-8FF6-1ADF604ACBDE}"/>
+              </a:ext>
+            </a:extLst>
+          </p:cNvPr>
+          <p:cNvCxnSpPr>
+            <a:cxnSpLocks/>
+          </p:cNvCxnSpPr>
+          <p:nvPr/>
+        </p:nvCxnSpPr>
+        <p:spPr>
+          <a:xfrm flipH="1">
+            <a:off x="1407541" y="2832333"/>
+            <a:ext cx="1567061" cy="20947"/>
+          </a:xfrm>
+          <a:prstGeom prst="straightConnector1">
+            <a:avLst/>
+          </a:prstGeom>
+          <a:ln w="12700">
+            <a:tailEnd type="triangle"/>
+          </a:ln>
+        </p:spPr>
+        <p:style>
+          <a:lnRef idx="1">
+            <a:schemeClr val="accent1"/>
+          </a:lnRef>
+          <a:fillRef idx="0">
+            <a:schemeClr val="accent1"/>
+          </a:fillRef>
+          <a:effectRef idx="0">
+            <a:schemeClr val="accent1"/>
+          </a:effectRef>
+          <a:fontRef idx="minor">
+            <a:schemeClr val="tx1"/>
+          </a:fontRef>
+        </p:style>
+      </p:cxnSp>
+      <p:cxnSp>
+        <p:nvCxnSpPr>
+          <p:cNvPr id="22" name="直接箭头连接符 21">
+            <a:extLst>
+              <a:ext uri="{FF2B5EF4-FFF2-40B4-BE49-F238E27FC236}">
+                <a16:creationId xmlns:a16="http://schemas.microsoft.com/office/drawing/2014/main" id="{3658F5CD-662F-14A4-133F-1CE1605BB571}"/>
+              </a:ext>
+            </a:extLst>
+          </p:cNvPr>
+          <p:cNvCxnSpPr/>
+          <p:nvPr/>
+        </p:nvCxnSpPr>
+        <p:spPr>
+          <a:xfrm flipV="1">
+            <a:off x="5023089" y="2650553"/>
+            <a:ext cx="935277" cy="8996"/>
+          </a:xfrm>
+          <a:prstGeom prst="straightConnector1">
+            <a:avLst/>
+          </a:prstGeom>
+          <a:ln w="12700">
+            <a:tailEnd type="triangle"/>
+          </a:ln>
+        </p:spPr>
+        <p:style>
+          <a:lnRef idx="1">
+            <a:schemeClr val="accent1"/>
+          </a:lnRef>
+          <a:fillRef idx="0">
+            <a:schemeClr val="accent1"/>
+          </a:fillRef>
+          <a:effectRef idx="0">
+            <a:schemeClr val="accent1"/>
+          </a:effectRef>
+          <a:fontRef idx="minor">
+            <a:schemeClr val="tx1"/>
+          </a:fontRef>
+        </p:style>
+      </p:cxnSp>
+      <p:sp>
+        <p:nvSpPr>
+          <p:cNvPr id="23" name="矩形 22">
+            <a:extLst>
+              <a:ext uri="{FF2B5EF4-FFF2-40B4-BE49-F238E27FC236}">
+                <a16:creationId xmlns:a16="http://schemas.microsoft.com/office/drawing/2014/main" id="{36227E8E-D4C9-F4EE-F2CC-EB5DC446C2E5}"/>
+              </a:ext>
+            </a:extLst>
+          </p:cNvPr>
+          <p:cNvSpPr/>
+          <p:nvPr/>
+        </p:nvSpPr>
+        <p:spPr>
+          <a:xfrm>
+            <a:off x="6048134" y="873036"/>
+            <a:ext cx="668837" cy="3548651"/>
+          </a:xfrm>
+          <a:prstGeom prst="rect">
+            <a:avLst/>
+          </a:prstGeom>
+          <a:solidFill>
+            <a:schemeClr val="accent4">
+              <a:lumMod val="20000"/>
+              <a:lumOff val="80000"/>
+            </a:schemeClr>
+          </a:solidFill>
+          <a:ln>
+            <a:noFill/>
+          </a:ln>
+        </p:spPr>
+        <p:style>
+          <a:lnRef idx="2">
+            <a:schemeClr val="accent1">
+              <a:shade val="50000"/>
+            </a:schemeClr>
+          </a:lnRef>
+          <a:fillRef idx="1">
+            <a:schemeClr val="accent1"/>
+          </a:fillRef>
+          <a:effectRef idx="0">
+            <a:schemeClr val="accent1"/>
+          </a:effectRef>
+          <a:fontRef idx="minor">
+            <a:schemeClr val="lt1"/>
+          </a:fontRef>
+        </p:style>
+        <p:txBody>
+          <a:bodyPr rtlCol="0" anchor="ctr"/>
+          <a:lstStyle/>
+          <a:p>
+            <a:pPr algn="ctr"/>
+            <a:endParaRPr lang="zh-CN" altLang="en-US"/>
+          </a:p>
+        </p:txBody>
+      </p:sp>
+      <p:sp>
+        <p:nvSpPr>
+          <p:cNvPr id="24" name="文本框 23">
+            <a:extLst>
+              <a:ext uri="{FF2B5EF4-FFF2-40B4-BE49-F238E27FC236}">
+                <a16:creationId xmlns:a16="http://schemas.microsoft.com/office/drawing/2014/main" id="{B90ABAB8-7391-EBFC-88A7-F5D531D5692A}"/>
+              </a:ext>
+            </a:extLst>
+          </p:cNvPr>
+          <p:cNvSpPr txBox="1"/>
+          <p:nvPr/>
+        </p:nvSpPr>
+        <p:spPr>
+          <a:xfrm>
+            <a:off x="6010890" y="2309992"/>
+            <a:ext cx="708848" cy="338554"/>
+          </a:xfrm>
+          <a:prstGeom prst="rect">
+            <a:avLst/>
+          </a:prstGeom>
+          <a:noFill/>
+        </p:spPr>
+        <p:txBody>
+          <a:bodyPr wrap="none" rtlCol="0">
+            <a:spAutoFit/>
+          </a:bodyPr>
+          <a:lstStyle/>
+          <a:p>
+            <a:r>
+              <a:rPr lang="en-US" altLang="zh-CN" sz="1600" b="1" dirty="0">
+                <a:latin typeface="Times New Roman" panose="02020603050405020304" pitchFamily="18" charset="0"/>
+                <a:cs typeface="Times New Roman" panose="02020603050405020304" pitchFamily="18" charset="0"/>
+              </a:rPr>
+              <a:t>Nginx</a:t>
+            </a:r>
+            <a:endParaRPr lang="zh-CN" altLang="en-US" sz="1600" b="1" dirty="0">
+              <a:latin typeface="Times New Roman" panose="02020603050405020304" pitchFamily="18" charset="0"/>
+              <a:cs typeface="Times New Roman" panose="02020603050405020304" pitchFamily="18" charset="0"/>
+            </a:endParaRPr>
+          </a:p>
+        </p:txBody>
+      </p:sp>
+      <p:sp>
+        <p:nvSpPr>
+          <p:cNvPr id="25" name="文本框 24">
+            <a:extLst>
+              <a:ext uri="{FF2B5EF4-FFF2-40B4-BE49-F238E27FC236}">
+                <a16:creationId xmlns:a16="http://schemas.microsoft.com/office/drawing/2014/main" id="{3C6A4581-1B1B-9B9D-4C6F-C5DFE8FD92E7}"/>
+              </a:ext>
+            </a:extLst>
+          </p:cNvPr>
+          <p:cNvSpPr txBox="1"/>
+          <p:nvPr/>
+        </p:nvSpPr>
+        <p:spPr>
+          <a:xfrm>
+            <a:off x="7503541" y="2306232"/>
+            <a:ext cx="1005403" cy="338554"/>
+          </a:xfrm>
+          <a:prstGeom prst="rect">
+            <a:avLst/>
+          </a:prstGeom>
+          <a:noFill/>
+        </p:spPr>
+        <p:txBody>
+          <a:bodyPr wrap="none" rtlCol="0">
+            <a:spAutoFit/>
+          </a:bodyPr>
+          <a:lstStyle/>
+          <a:p>
+            <a:r>
+              <a:rPr lang="zh-CN" altLang="en-US" sz="1600" dirty="0">
+                <a:latin typeface="宋体" panose="02010600030101010101" pitchFamily="2" charset="-122"/>
+                <a:ea typeface="宋体" panose="02010600030101010101" pitchFamily="2" charset="-122"/>
+                <a:cs typeface="Times New Roman" panose="02020603050405020304" pitchFamily="18" charset="0"/>
+              </a:rPr>
+              <a:t>模型推理</a:t>
+            </a:r>
+          </a:p>
+        </p:txBody>
+      </p:sp>
+      <p:sp>
+        <p:nvSpPr>
+          <p:cNvPr id="26" name="矩形 25">
+            <a:extLst>
+              <a:ext uri="{FF2B5EF4-FFF2-40B4-BE49-F238E27FC236}">
+                <a16:creationId xmlns:a16="http://schemas.microsoft.com/office/drawing/2014/main" id="{57C7149C-90B4-6A83-229F-D6D32D14A733}"/>
+              </a:ext>
+            </a:extLst>
+          </p:cNvPr>
+          <p:cNvSpPr/>
+          <p:nvPr/>
+        </p:nvSpPr>
+        <p:spPr>
+          <a:xfrm>
+            <a:off x="7423254" y="2223376"/>
+            <a:ext cx="1215957" cy="526031"/>
+          </a:xfrm>
+          <a:prstGeom prst="rect">
+            <a:avLst/>
+          </a:prstGeom>
+          <a:noFill/>
+          <a:ln w="19050">
+            <a:solidFill>
+              <a:srgbClr val="00B0F0"/>
+            </a:solidFill>
+          </a:ln>
+        </p:spPr>
+        <p:style>
+          <a:lnRef idx="2">
+            <a:schemeClr val="accent1">
+              <a:shade val="50000"/>
+            </a:schemeClr>
+          </a:lnRef>
+          <a:fillRef idx="1">
+            <a:schemeClr val="accent1"/>
+          </a:fillRef>
+          <a:effectRef idx="0">
+            <a:schemeClr val="accent1"/>
+          </a:effectRef>
+          <a:fontRef idx="minor">
+            <a:schemeClr val="lt1"/>
+          </a:fontRef>
+        </p:style>
+        <p:txBody>
+          <a:bodyPr rtlCol="0" anchor="ctr"/>
+          <a:lstStyle/>
+          <a:p>
+            <a:pPr algn="ctr"/>
+            <a:endParaRPr lang="zh-CN" altLang="en-US"/>
+          </a:p>
+        </p:txBody>
+      </p:sp>
+      <p:sp>
+        <p:nvSpPr>
+          <p:cNvPr id="27" name="文本框 26">
+            <a:extLst>
+              <a:ext uri="{FF2B5EF4-FFF2-40B4-BE49-F238E27FC236}">
+                <a16:creationId xmlns:a16="http://schemas.microsoft.com/office/drawing/2014/main" id="{D0E8BAB9-1D8C-5A5B-B914-5183AE35BCFA}"/>
+              </a:ext>
+            </a:extLst>
+          </p:cNvPr>
+          <p:cNvSpPr txBox="1"/>
+          <p:nvPr/>
+        </p:nvSpPr>
+        <p:spPr>
+          <a:xfrm>
+            <a:off x="7531215" y="3635158"/>
+            <a:ext cx="1005403" cy="338554"/>
+          </a:xfrm>
+          <a:prstGeom prst="rect">
+            <a:avLst/>
+          </a:prstGeom>
+          <a:noFill/>
+        </p:spPr>
+        <p:txBody>
+          <a:bodyPr wrap="none" rtlCol="0">
+            <a:spAutoFit/>
+          </a:bodyPr>
+          <a:lstStyle/>
+          <a:p>
+            <a:r>
+              <a:rPr lang="zh-CN" altLang="en-US" sz="1600" dirty="0">
+                <a:latin typeface="宋体" panose="02010600030101010101" pitchFamily="2" charset="-122"/>
+                <a:ea typeface="宋体" panose="02010600030101010101" pitchFamily="2" charset="-122"/>
+                <a:cs typeface="Times New Roman" panose="02020603050405020304" pitchFamily="18" charset="0"/>
+              </a:rPr>
+              <a:t>模型推理</a:t>
+            </a:r>
+          </a:p>
+        </p:txBody>
+      </p:sp>
+      <p:sp>
+        <p:nvSpPr>
+          <p:cNvPr id="28" name="矩形 27">
+            <a:extLst>
+              <a:ext uri="{FF2B5EF4-FFF2-40B4-BE49-F238E27FC236}">
+                <a16:creationId xmlns:a16="http://schemas.microsoft.com/office/drawing/2014/main" id="{B96881DC-1191-022B-2FE4-6D4265613620}"/>
+              </a:ext>
+            </a:extLst>
+          </p:cNvPr>
+          <p:cNvSpPr/>
+          <p:nvPr/>
+        </p:nvSpPr>
+        <p:spPr>
+          <a:xfrm>
+            <a:off x="7423254" y="3521596"/>
+            <a:ext cx="1215957" cy="526031"/>
+          </a:xfrm>
+          <a:prstGeom prst="rect">
+            <a:avLst/>
+          </a:prstGeom>
+          <a:noFill/>
+          <a:ln w="19050">
+            <a:solidFill>
+              <a:srgbClr val="00B0F0"/>
+            </a:solidFill>
+          </a:ln>
+        </p:spPr>
+        <p:style>
+          <a:lnRef idx="2">
+            <a:schemeClr val="accent1">
+              <a:shade val="50000"/>
+            </a:schemeClr>
+          </a:lnRef>
+          <a:fillRef idx="1">
+            <a:schemeClr val="accent1"/>
+          </a:fillRef>
+          <a:effectRef idx="0">
+            <a:schemeClr val="accent1"/>
+          </a:effectRef>
+          <a:fontRef idx="minor">
+            <a:schemeClr val="lt1"/>
+          </a:fontRef>
+        </p:style>
+        <p:txBody>
+          <a:bodyPr rtlCol="0" anchor="ctr"/>
+          <a:lstStyle/>
+          <a:p>
+            <a:pPr algn="ctr"/>
+            <a:endParaRPr lang="zh-CN" altLang="en-US"/>
+          </a:p>
+        </p:txBody>
+      </p:sp>
+      <p:cxnSp>
+        <p:nvCxnSpPr>
+          <p:cNvPr id="29" name="直接箭头连接符 28">
+            <a:extLst>
+              <a:ext uri="{FF2B5EF4-FFF2-40B4-BE49-F238E27FC236}">
+                <a16:creationId xmlns:a16="http://schemas.microsoft.com/office/drawing/2014/main" id="{505E4CC4-8FFE-B34F-4E78-DE365B2A51AC}"/>
+              </a:ext>
+            </a:extLst>
+          </p:cNvPr>
+          <p:cNvCxnSpPr>
+            <a:cxnSpLocks/>
+            <a:stCxn id="24" idx="3"/>
+            <a:endCxn id="5" idx="1"/>
+          </p:cNvCxnSpPr>
+          <p:nvPr/>
+        </p:nvCxnSpPr>
+        <p:spPr>
+          <a:xfrm flipV="1">
+            <a:off x="6719738" y="1396300"/>
+            <a:ext cx="703516" cy="1082969"/>
+          </a:xfrm>
+          <a:prstGeom prst="straightConnector1">
+            <a:avLst/>
+          </a:prstGeom>
+          <a:ln>
+            <a:tailEnd type="triangle"/>
+          </a:ln>
+        </p:spPr>
+        <p:style>
+          <a:lnRef idx="1">
+            <a:schemeClr val="accent1"/>
+          </a:lnRef>
+          <a:fillRef idx="0">
+            <a:schemeClr val="accent1"/>
+          </a:fillRef>
+          <a:effectRef idx="0">
+            <a:schemeClr val="accent1"/>
+          </a:effectRef>
+          <a:fontRef idx="minor">
+            <a:schemeClr val="tx1"/>
+          </a:fontRef>
+        </p:style>
+      </p:cxnSp>
+      <p:cxnSp>
+        <p:nvCxnSpPr>
+          <p:cNvPr id="30" name="直接箭头连接符 29">
+            <a:extLst>
+              <a:ext uri="{FF2B5EF4-FFF2-40B4-BE49-F238E27FC236}">
+                <a16:creationId xmlns:a16="http://schemas.microsoft.com/office/drawing/2014/main" id="{2B352447-9ADF-E41D-0F15-A402F3EEC27E}"/>
+              </a:ext>
+            </a:extLst>
+          </p:cNvPr>
+          <p:cNvCxnSpPr>
+            <a:stCxn id="24" idx="3"/>
+            <a:endCxn id="28" idx="1"/>
+          </p:cNvCxnSpPr>
+          <p:nvPr/>
+        </p:nvCxnSpPr>
+        <p:spPr>
+          <a:xfrm>
+            <a:off x="6719738" y="2479269"/>
+            <a:ext cx="703516" cy="1305343"/>
+          </a:xfrm>
+          <a:prstGeom prst="straightConnector1">
+            <a:avLst/>
+          </a:prstGeom>
+          <a:ln>
+            <a:tailEnd type="triangle"/>
+          </a:ln>
+        </p:spPr>
+        <p:style>
+          <a:lnRef idx="1">
+            <a:schemeClr val="accent1"/>
+          </a:lnRef>
+          <a:fillRef idx="0">
+            <a:schemeClr val="accent1"/>
+          </a:fillRef>
+          <a:effectRef idx="0">
+            <a:schemeClr val="accent1"/>
+          </a:effectRef>
+          <a:fontRef idx="minor">
+            <a:schemeClr val="tx1"/>
+          </a:fontRef>
+        </p:style>
+      </p:cxnSp>
+      <p:cxnSp>
+        <p:nvCxnSpPr>
+          <p:cNvPr id="31" name="直接箭头连接符 30">
+            <a:extLst>
+              <a:ext uri="{FF2B5EF4-FFF2-40B4-BE49-F238E27FC236}">
+                <a16:creationId xmlns:a16="http://schemas.microsoft.com/office/drawing/2014/main" id="{F4EA16F9-AB36-C92B-D943-B1F9A54B6454}"/>
+              </a:ext>
+            </a:extLst>
+          </p:cNvPr>
+          <p:cNvCxnSpPr>
+            <a:stCxn id="24" idx="3"/>
+            <a:endCxn id="26" idx="1"/>
+          </p:cNvCxnSpPr>
+          <p:nvPr/>
+        </p:nvCxnSpPr>
+        <p:spPr>
+          <a:xfrm>
+            <a:off x="6719738" y="2479269"/>
+            <a:ext cx="703516" cy="7123"/>
+          </a:xfrm>
+          <a:prstGeom prst="straightConnector1">
+            <a:avLst/>
+          </a:prstGeom>
+          <a:ln>
+            <a:tailEnd type="triangle"/>
+          </a:ln>
+        </p:spPr>
+        <p:style>
+          <a:lnRef idx="1">
+            <a:schemeClr val="accent1"/>
+          </a:lnRef>
+          <a:fillRef idx="0">
+            <a:schemeClr val="accent1"/>
+          </a:fillRef>
+          <a:effectRef idx="0">
+            <a:schemeClr val="accent1"/>
+          </a:effectRef>
+          <a:fontRef idx="minor">
+            <a:schemeClr val="tx1"/>
+          </a:fontRef>
+        </p:style>
+      </p:cxnSp>
+      <p:sp>
+        <p:nvSpPr>
+          <p:cNvPr id="32" name="矩形: 圆角 31">
+            <a:extLst>
+              <a:ext uri="{FF2B5EF4-FFF2-40B4-BE49-F238E27FC236}">
+                <a16:creationId xmlns:a16="http://schemas.microsoft.com/office/drawing/2014/main" id="{484657FC-8BB8-966E-B93A-CEFFBEF6E514}"/>
+              </a:ext>
+            </a:extLst>
+          </p:cNvPr>
+          <p:cNvSpPr/>
+          <p:nvPr/>
+        </p:nvSpPr>
+        <p:spPr>
+          <a:xfrm>
+            <a:off x="7134101" y="651566"/>
+            <a:ext cx="1822009" cy="3582231"/>
+          </a:xfrm>
+          <a:prstGeom prst="roundRect">
+            <a:avLst/>
+          </a:prstGeom>
+          <a:noFill/>
+          <a:ln>
+            <a:solidFill>
+              <a:srgbClr val="FF0000"/>
+            </a:solidFill>
+          </a:ln>
+        </p:spPr>
+        <p:style>
+          <a:lnRef idx="2">
+            <a:schemeClr val="accent1">
+              <a:shade val="50000"/>
+            </a:schemeClr>
+          </a:lnRef>
+          <a:fillRef idx="1">
+            <a:schemeClr val="accent1"/>
+          </a:fillRef>
+          <a:effectRef idx="0">
+            <a:schemeClr val="accent1"/>
+          </a:effectRef>
+          <a:fontRef idx="minor">
+            <a:schemeClr val="lt1"/>
+          </a:fontRef>
+        </p:style>
+        <p:txBody>
+          <a:bodyPr rtlCol="0" anchor="ctr"/>
+          <a:lstStyle/>
+          <a:p>
+            <a:pPr algn="ctr"/>
+            <a:endParaRPr lang="zh-CN" altLang="en-US"/>
+          </a:p>
+        </p:txBody>
+      </p:sp>
+      <p:cxnSp>
+        <p:nvCxnSpPr>
+          <p:cNvPr id="33" name="直接箭头连接符 32">
+            <a:extLst>
+              <a:ext uri="{FF2B5EF4-FFF2-40B4-BE49-F238E27FC236}">
+                <a16:creationId xmlns:a16="http://schemas.microsoft.com/office/drawing/2014/main" id="{C514A109-A4AF-2463-A8F9-B20A045B04C0}"/>
+              </a:ext>
+            </a:extLst>
+          </p:cNvPr>
+          <p:cNvCxnSpPr>
+            <a:cxnSpLocks/>
+            <a:stCxn id="32" idx="3"/>
+            <a:endCxn id="13" idx="1"/>
+          </p:cNvCxnSpPr>
+          <p:nvPr/>
+        </p:nvCxnSpPr>
+        <p:spPr>
+          <a:xfrm>
+            <a:off x="8956110" y="2442682"/>
+            <a:ext cx="466632" cy="113775"/>
+          </a:xfrm>
+          <a:prstGeom prst="straightConnector1">
+            <a:avLst/>
+          </a:prstGeom>
+          <a:ln>
+            <a:tailEnd type="triangle"/>
+          </a:ln>
+        </p:spPr>
+        <p:style>
+          <a:lnRef idx="1">
+            <a:schemeClr val="accent1"/>
+          </a:lnRef>
+          <a:fillRef idx="0">
+            <a:schemeClr val="accent1"/>
+          </a:fillRef>
+          <a:effectRef idx="0">
+            <a:schemeClr val="accent1"/>
+          </a:effectRef>
+          <a:fontRef idx="minor">
+            <a:schemeClr val="tx1"/>
+          </a:fontRef>
+        </p:style>
+      </p:cxnSp>
+      <p:cxnSp>
+        <p:nvCxnSpPr>
+          <p:cNvPr id="34" name="直接连接符 33">
+            <a:extLst>
+              <a:ext uri="{FF2B5EF4-FFF2-40B4-BE49-F238E27FC236}">
+                <a16:creationId xmlns:a16="http://schemas.microsoft.com/office/drawing/2014/main" id="{7CFD8A7F-213A-ADFB-4D93-528C8D084E94}"/>
+              </a:ext>
+            </a:extLst>
+          </p:cNvPr>
+          <p:cNvCxnSpPr>
+            <a:cxnSpLocks/>
+            <a:stCxn id="13" idx="2"/>
+          </p:cNvCxnSpPr>
+          <p:nvPr/>
+        </p:nvCxnSpPr>
+        <p:spPr>
+          <a:xfrm flipH="1">
+            <a:off x="10672176" y="3166128"/>
+            <a:ext cx="4286" cy="2126118"/>
+          </a:xfrm>
+          <a:prstGeom prst="line">
+            <a:avLst/>
+          </a:prstGeom>
+          <a:ln w="12700"/>
+        </p:spPr>
+        <p:style>
+          <a:lnRef idx="1">
+            <a:schemeClr val="accent1"/>
+          </a:lnRef>
+          <a:fillRef idx="0">
+            <a:schemeClr val="accent1"/>
+          </a:fillRef>
+          <a:effectRef idx="0">
+            <a:schemeClr val="accent1"/>
+          </a:effectRef>
+          <a:fontRef idx="minor">
+            <a:schemeClr val="tx1"/>
+          </a:fontRef>
+        </p:style>
+      </p:cxnSp>
+      <p:cxnSp>
+        <p:nvCxnSpPr>
+          <p:cNvPr id="35" name="直接连接符 34">
+            <a:extLst>
+              <a:ext uri="{FF2B5EF4-FFF2-40B4-BE49-F238E27FC236}">
+                <a16:creationId xmlns:a16="http://schemas.microsoft.com/office/drawing/2014/main" id="{69EE03A6-E332-2C34-6B89-32BC2706FD93}"/>
+              </a:ext>
+            </a:extLst>
+          </p:cNvPr>
+          <p:cNvCxnSpPr/>
+          <p:nvPr/>
+        </p:nvCxnSpPr>
+        <p:spPr>
+          <a:xfrm flipH="1">
+            <a:off x="638828" y="5292246"/>
+            <a:ext cx="10033348" cy="0"/>
+          </a:xfrm>
+          <a:prstGeom prst="line">
+            <a:avLst/>
+          </a:prstGeom>
+          <a:ln w="12700"/>
+        </p:spPr>
+        <p:style>
+          <a:lnRef idx="1">
+            <a:schemeClr val="accent1"/>
+          </a:lnRef>
+          <a:fillRef idx="0">
+            <a:schemeClr val="accent1"/>
+          </a:fillRef>
+          <a:effectRef idx="0">
+            <a:schemeClr val="accent1"/>
+          </a:effectRef>
+          <a:fontRef idx="minor">
+            <a:schemeClr val="tx1"/>
+          </a:fontRef>
+        </p:style>
+      </p:cxnSp>
+      <p:cxnSp>
+        <p:nvCxnSpPr>
+          <p:cNvPr id="36" name="直接箭头连接符 35">
+            <a:extLst>
+              <a:ext uri="{FF2B5EF4-FFF2-40B4-BE49-F238E27FC236}">
+                <a16:creationId xmlns:a16="http://schemas.microsoft.com/office/drawing/2014/main" id="{06552DEE-938D-4E3A-36CC-CE8BB83DF6D4}"/>
+              </a:ext>
+            </a:extLst>
+          </p:cNvPr>
+          <p:cNvCxnSpPr>
+            <a:cxnSpLocks/>
+            <a:endCxn id="4" idx="2"/>
+          </p:cNvCxnSpPr>
+          <p:nvPr/>
+        </p:nvCxnSpPr>
+        <p:spPr>
+          <a:xfrm flipH="1" flipV="1">
+            <a:off x="643919" y="2834627"/>
+            <a:ext cx="5975" cy="2438966"/>
+          </a:xfrm>
+          <a:prstGeom prst="straightConnector1">
+            <a:avLst/>
+          </a:prstGeom>
+          <a:ln w="12700">
+            <a:tailEnd type="triangle"/>
+          </a:ln>
+        </p:spPr>
+        <p:style>
+          <a:lnRef idx="1">
+            <a:schemeClr val="accent1"/>
+          </a:lnRef>
+          <a:fillRef idx="0">
+            <a:schemeClr val="accent1"/>
+          </a:fillRef>
+          <a:effectRef idx="0">
+            <a:schemeClr val="accent1"/>
+          </a:effectRef>
+          <a:fontRef idx="minor">
+            <a:schemeClr val="tx1"/>
+          </a:fontRef>
+        </p:style>
+      </p:cxnSp>
+      <p:sp>
+        <p:nvSpPr>
+          <p:cNvPr id="37" name="文本框 36">
+            <a:extLst>
+              <a:ext uri="{FF2B5EF4-FFF2-40B4-BE49-F238E27FC236}">
+                <a16:creationId xmlns:a16="http://schemas.microsoft.com/office/drawing/2014/main" id="{37AD28BF-693D-3CAD-4830-35214ECFA34E}"/>
+              </a:ext>
+            </a:extLst>
+          </p:cNvPr>
+          <p:cNvSpPr txBox="1"/>
+          <p:nvPr/>
+        </p:nvSpPr>
+        <p:spPr>
+          <a:xfrm>
+            <a:off x="4863038" y="5410648"/>
+            <a:ext cx="902811" cy="307777"/>
+          </a:xfrm>
+          <a:prstGeom prst="rect">
+            <a:avLst/>
+          </a:prstGeom>
+          <a:noFill/>
+        </p:spPr>
+        <p:txBody>
+          <a:bodyPr wrap="none" rtlCol="0">
+            <a:spAutoFit/>
+          </a:bodyPr>
+          <a:lstStyle/>
+          <a:p>
+            <a:r>
+              <a:rPr lang="zh-CN" altLang="en-US" sz="1400" dirty="0">
+                <a:latin typeface="Times New Roman" panose="02020603050405020304" pitchFamily="18" charset="0"/>
+                <a:ea typeface="宋体" panose="02010600030101010101" pitchFamily="2" charset="-122"/>
+                <a:cs typeface="Times New Roman" panose="02020603050405020304" pitchFamily="18" charset="0"/>
+              </a:rPr>
+              <a:t>返回结果</a:t>
+            </a:r>
+            <a:endParaRPr lang="zh-CN" altLang="en-US" sz="1400" dirty="0">
+              <a:latin typeface="宋体" panose="02010600030101010101" pitchFamily="2" charset="-122"/>
+              <a:ea typeface="宋体" panose="02010600030101010101" pitchFamily="2" charset="-122"/>
+              <a:cs typeface="Times New Roman" panose="02020603050405020304" pitchFamily="18" charset="0"/>
+            </a:endParaRPr>
+          </a:p>
+        </p:txBody>
+      </p:sp>
+      <p:sp>
+        <p:nvSpPr>
+          <p:cNvPr id="38" name="矩形 37">
+            <a:extLst>
+              <a:ext uri="{FF2B5EF4-FFF2-40B4-BE49-F238E27FC236}">
+                <a16:creationId xmlns:a16="http://schemas.microsoft.com/office/drawing/2014/main" id="{C739DECA-1A61-B5F7-69B8-9BF1DE46A6CD}"/>
+              </a:ext>
+            </a:extLst>
+          </p:cNvPr>
+          <p:cNvSpPr/>
+          <p:nvPr/>
+        </p:nvSpPr>
+        <p:spPr>
+          <a:xfrm>
+            <a:off x="4863038" y="5410639"/>
+            <a:ext cx="902811" cy="307778"/>
+          </a:xfrm>
+          <a:prstGeom prst="rect">
+            <a:avLst/>
+          </a:prstGeom>
+          <a:noFill/>
+          <a:ln w="19050">
+            <a:solidFill>
+              <a:srgbClr val="00B0F0"/>
+            </a:solidFill>
+          </a:ln>
+        </p:spPr>
+        <p:style>
+          <a:lnRef idx="2">
+            <a:schemeClr val="accent1">
+              <a:shade val="50000"/>
+            </a:schemeClr>
+          </a:lnRef>
+          <a:fillRef idx="1">
+            <a:schemeClr val="accent1"/>
+          </a:fillRef>
+          <a:effectRef idx="0">
+            <a:schemeClr val="accent1"/>
+          </a:effectRef>
+          <a:fontRef idx="minor">
+            <a:schemeClr val="lt1"/>
+          </a:fontRef>
+        </p:style>
+        <p:txBody>
+          <a:bodyPr rtlCol="0" anchor="ctr"/>
+          <a:lstStyle/>
+          <a:p>
+            <a:pPr algn="ctr"/>
+            <a:endParaRPr lang="zh-CN" altLang="en-US"/>
+          </a:p>
+        </p:txBody>
+      </p:sp>
+      <p:sp>
+        <p:nvSpPr>
+          <p:cNvPr id="39" name="文本框 38">
+            <a:extLst>
+              <a:ext uri="{FF2B5EF4-FFF2-40B4-BE49-F238E27FC236}">
+                <a16:creationId xmlns:a16="http://schemas.microsoft.com/office/drawing/2014/main" id="{2C82686F-C0BD-6CF9-54EF-1103E11F0894}"/>
+              </a:ext>
+            </a:extLst>
+          </p:cNvPr>
+          <p:cNvSpPr txBox="1"/>
+          <p:nvPr/>
+        </p:nvSpPr>
+        <p:spPr>
+          <a:xfrm>
+            <a:off x="3652732" y="3084383"/>
+            <a:ext cx="1343638" cy="276999"/>
+          </a:xfrm>
+          <a:prstGeom prst="rect">
+            <a:avLst/>
+          </a:prstGeom>
+          <a:noFill/>
+        </p:spPr>
+        <p:txBody>
+          <a:bodyPr wrap="none" rtlCol="0">
+            <a:spAutoFit/>
+          </a:bodyPr>
+          <a:lstStyle/>
+          <a:p>
+            <a:r>
+              <a:rPr lang="en-US" altLang="zh-CN" sz="1200" dirty="0">
+                <a:solidFill>
+                  <a:schemeClr val="accent6">
+                    <a:lumMod val="75000"/>
+                  </a:schemeClr>
+                </a:solidFill>
+                <a:latin typeface="Times New Roman" panose="02020603050405020304" pitchFamily="18" charset="0"/>
+                <a:ea typeface="宋体" panose="02010600030101010101" pitchFamily="2" charset="-122"/>
+                <a:cs typeface="Times New Roman" panose="02020603050405020304" pitchFamily="18" charset="0"/>
+              </a:rPr>
+              <a:t>Redis </a:t>
+            </a:r>
+            <a:r>
+              <a:rPr lang="zh-CN" altLang="en-US" sz="1200" dirty="0">
+                <a:solidFill>
+                  <a:schemeClr val="accent6">
+                    <a:lumMod val="75000"/>
+                  </a:schemeClr>
+                </a:solidFill>
+                <a:latin typeface="Times New Roman" panose="02020603050405020304" pitchFamily="18" charset="0"/>
+                <a:ea typeface="宋体" panose="02010600030101010101" pitchFamily="2" charset="-122"/>
+                <a:cs typeface="Times New Roman" panose="02020603050405020304" pitchFamily="18" charset="0"/>
+              </a:rPr>
+              <a:t>数据库模块</a:t>
+            </a:r>
+          </a:p>
+        </p:txBody>
+      </p:sp>
+      <p:sp>
+        <p:nvSpPr>
+          <p:cNvPr id="40" name="箭头: 下 39">
+            <a:extLst>
+              <a:ext uri="{FF2B5EF4-FFF2-40B4-BE49-F238E27FC236}">
+                <a16:creationId xmlns:a16="http://schemas.microsoft.com/office/drawing/2014/main" id="{BF5F02D4-967A-A659-0C92-EBA1E2959529}"/>
+              </a:ext>
+            </a:extLst>
+          </p:cNvPr>
+          <p:cNvSpPr/>
+          <p:nvPr/>
+        </p:nvSpPr>
+        <p:spPr>
+          <a:xfrm>
+            <a:off x="3532340" y="1053211"/>
+            <a:ext cx="341182" cy="644858"/>
+          </a:xfrm>
+          <a:prstGeom prst="downArrow">
+            <a:avLst/>
+          </a:prstGeom>
+          <a:solidFill>
+            <a:schemeClr val="accent4">
+              <a:lumMod val="20000"/>
+              <a:lumOff val="80000"/>
+            </a:schemeClr>
+          </a:solidFill>
+          <a:ln>
+            <a:solidFill>
+              <a:schemeClr val="accent4">
+                <a:lumMod val="40000"/>
+                <a:lumOff val="60000"/>
+              </a:schemeClr>
+            </a:solidFill>
+            <a:prstDash val="sysDash"/>
+          </a:ln>
+        </p:spPr>
+        <p:style>
+          <a:lnRef idx="2">
+            <a:schemeClr val="accent1">
+              <a:shade val="50000"/>
+            </a:schemeClr>
+          </a:lnRef>
+          <a:fillRef idx="1">
+            <a:schemeClr val="accent1"/>
+          </a:fillRef>
+          <a:effectRef idx="0">
+            <a:schemeClr val="accent1"/>
+          </a:effectRef>
+          <a:fontRef idx="minor">
+            <a:schemeClr val="lt1"/>
+          </a:fontRef>
+        </p:style>
+        <p:txBody>
+          <a:bodyPr rtlCol="0" anchor="ctr"/>
+          <a:lstStyle/>
+          <a:p>
+            <a:pPr algn="ctr"/>
+            <a:endParaRPr lang="zh-CN" altLang="en-US"/>
+          </a:p>
+        </p:txBody>
+      </p:sp>
+      <p:sp>
+        <p:nvSpPr>
+          <p:cNvPr id="41" name="文本框 40">
+            <a:extLst>
+              <a:ext uri="{FF2B5EF4-FFF2-40B4-BE49-F238E27FC236}">
+                <a16:creationId xmlns:a16="http://schemas.microsoft.com/office/drawing/2014/main" id="{1044246A-58C5-E4A6-580F-0D7541AF35C6}"/>
+              </a:ext>
+            </a:extLst>
+          </p:cNvPr>
+          <p:cNvSpPr txBox="1"/>
+          <p:nvPr/>
+        </p:nvSpPr>
+        <p:spPr>
+          <a:xfrm>
+            <a:off x="2899255" y="599588"/>
+            <a:ext cx="1709122" cy="338554"/>
+          </a:xfrm>
+          <a:prstGeom prst="rect">
+            <a:avLst/>
+          </a:prstGeom>
+          <a:noFill/>
+        </p:spPr>
+        <p:txBody>
+          <a:bodyPr wrap="none" rtlCol="0">
+            <a:spAutoFit/>
+          </a:bodyPr>
+          <a:lstStyle/>
+          <a:p>
+            <a:r>
+              <a:rPr lang="en-US" altLang="zh-CN" sz="1600" b="1" dirty="0">
+                <a:solidFill>
+                  <a:schemeClr val="accent6">
+                    <a:lumMod val="60000"/>
+                    <a:lumOff val="40000"/>
+                  </a:schemeClr>
+                </a:solidFill>
+                <a:latin typeface="Times New Roman" panose="02020603050405020304" pitchFamily="18" charset="0"/>
+                <a:ea typeface="宋体" panose="02010600030101010101" pitchFamily="2" charset="-122"/>
+                <a:cs typeface="Times New Roman" panose="02020603050405020304" pitchFamily="18" charset="0"/>
+              </a:rPr>
+              <a:t>Redis</a:t>
+            </a:r>
+            <a:r>
+              <a:rPr lang="zh-CN" altLang="en-US" sz="1600" b="1" dirty="0">
+                <a:solidFill>
+                  <a:schemeClr val="accent6">
+                    <a:lumMod val="60000"/>
+                    <a:lumOff val="40000"/>
+                  </a:schemeClr>
+                </a:solidFill>
+                <a:latin typeface="Times New Roman" panose="02020603050405020304" pitchFamily="18" charset="0"/>
+                <a:ea typeface="宋体" panose="02010600030101010101" pitchFamily="2" charset="-122"/>
+                <a:cs typeface="Times New Roman" panose="02020603050405020304" pitchFamily="18" charset="0"/>
+              </a:rPr>
+              <a:t>数据库扩充</a:t>
+            </a:r>
+          </a:p>
+        </p:txBody>
+      </p:sp>
+      <p:sp>
+        <p:nvSpPr>
+          <p:cNvPr id="42" name="矩形: 圆角 41">
+            <a:extLst>
+              <a:ext uri="{FF2B5EF4-FFF2-40B4-BE49-F238E27FC236}">
+                <a16:creationId xmlns:a16="http://schemas.microsoft.com/office/drawing/2014/main" id="{A266CB1D-B58B-8D2D-3C6F-52E98605BDF2}"/>
+              </a:ext>
+            </a:extLst>
+          </p:cNvPr>
+          <p:cNvSpPr/>
+          <p:nvPr/>
+        </p:nvSpPr>
+        <p:spPr>
+          <a:xfrm>
+            <a:off x="2883076" y="582524"/>
+            <a:ext cx="1722223" cy="336459"/>
+          </a:xfrm>
+          <a:prstGeom prst="roundRect">
+            <a:avLst/>
+          </a:prstGeom>
+          <a:noFill/>
+          <a:ln w="12700">
+            <a:solidFill>
+              <a:schemeClr val="accent4">
+                <a:lumMod val="60000"/>
+                <a:lumOff val="40000"/>
+              </a:schemeClr>
+            </a:solidFill>
+            <a:prstDash val="sysDash"/>
+          </a:ln>
+        </p:spPr>
+        <p:style>
+          <a:lnRef idx="2">
+            <a:schemeClr val="accent1">
+              <a:shade val="50000"/>
+            </a:schemeClr>
+          </a:lnRef>
+          <a:fillRef idx="1">
+            <a:schemeClr val="accent1"/>
+          </a:fillRef>
+          <a:effectRef idx="0">
+            <a:schemeClr val="accent1"/>
+          </a:effectRef>
+          <a:fontRef idx="minor">
+            <a:schemeClr val="lt1"/>
+          </a:fontRef>
+        </p:style>
+        <p:txBody>
+          <a:bodyPr rtlCol="0" anchor="ctr"/>
+          <a:lstStyle/>
+          <a:p>
+            <a:pPr algn="ctr"/>
+            <a:endParaRPr lang="zh-CN" altLang="en-US"/>
+          </a:p>
+        </p:txBody>
+      </p:sp>
+      <p:sp>
+        <p:nvSpPr>
+          <p:cNvPr id="43" name="箭头: 下 42">
+            <a:extLst>
+              <a:ext uri="{FF2B5EF4-FFF2-40B4-BE49-F238E27FC236}">
+                <a16:creationId xmlns:a16="http://schemas.microsoft.com/office/drawing/2014/main" id="{F712E9C2-AA56-CCD1-E245-BB29529713A3}"/>
+              </a:ext>
+            </a:extLst>
+          </p:cNvPr>
+          <p:cNvSpPr/>
+          <p:nvPr/>
+        </p:nvSpPr>
+        <p:spPr>
+          <a:xfrm>
+            <a:off x="3399171" y="3571725"/>
+            <a:ext cx="994744" cy="3092123"/>
+          </a:xfrm>
+          <a:prstGeom prst="downArrow">
+            <a:avLst/>
+          </a:prstGeom>
+          <a:solidFill>
+            <a:schemeClr val="accent6">
+              <a:lumMod val="20000"/>
+              <a:lumOff val="80000"/>
+            </a:schemeClr>
+          </a:solidFill>
+          <a:ln w="9525">
+            <a:prstDash val="lgDashDotDot"/>
+          </a:ln>
+        </p:spPr>
+        <p:style>
+          <a:lnRef idx="2">
+            <a:schemeClr val="accent1">
+              <a:shade val="50000"/>
+            </a:schemeClr>
+          </a:lnRef>
+          <a:fillRef idx="1">
+            <a:schemeClr val="accent1"/>
+          </a:fillRef>
+          <a:effectRef idx="0">
+            <a:schemeClr val="accent1"/>
+          </a:effectRef>
+          <a:fontRef idx="minor">
+            <a:schemeClr val="lt1"/>
+          </a:fontRef>
+        </p:style>
+        <p:txBody>
+          <a:bodyPr rtlCol="0" anchor="ctr"/>
+          <a:lstStyle/>
+          <a:p>
+            <a:pPr algn="ctr"/>
+            <a:endParaRPr lang="zh-CN" altLang="en-US"/>
           </a:p>
         </p:txBody>
       </p:sp>
     </p:spTree>
     <p:extLst>
       <p:ext uri="{BB962C8B-B14F-4D97-AF65-F5344CB8AC3E}">
-        <p14:creationId xmlns:p14="http://schemas.microsoft.com/office/powerpoint/2010/main" val="798219321"/>
+        <p14:creationId xmlns:p14="http://schemas.microsoft.com/office/powerpoint/2010/main" val="1340977979"/>
       </p:ext>
     </p:extLst>
   </p:cSld>
@@ -14290,7 +16268,7 @@
           <p:cNvPr id="2" name="文本框 1">
             <a:extLst>
               <a:ext uri="{FF2B5EF4-FFF2-40B4-BE49-F238E27FC236}">
-                <a16:creationId xmlns:a16="http://schemas.microsoft.com/office/drawing/2014/main" id="{47B11F6E-142D-5FA1-AF53-E6EBA771C533}"/>
+                <a16:creationId xmlns:a16="http://schemas.microsoft.com/office/drawing/2014/main" id="{9BCE60B4-B959-0653-AD91-114E317509D8}"/>
               </a:ext>
             </a:extLst>
           </p:cNvPr>
@@ -14299,8 +16277,8 @@
         </p:nvSpPr>
         <p:spPr>
           <a:xfrm>
-            <a:off x="7531215" y="1246464"/>
-            <a:ext cx="1005403" cy="338554"/>
+            <a:off x="2673187" y="2556127"/>
+            <a:ext cx="6362639" cy="584775"/>
           </a:xfrm>
           <a:prstGeom prst="rect">
             <a:avLst/>
@@ -14314,622 +16292,9 @@
           <a:lstStyle/>
           <a:p>
             <a:r>
-              <a:rPr lang="zh-CN" altLang="en-US" sz="1600" dirty="0">
-                <a:latin typeface="宋体" panose="02010600030101010101" pitchFamily="2" charset="-122"/>
-                <a:ea typeface="宋体" panose="02010600030101010101" pitchFamily="2" charset="-122"/>
-                <a:cs typeface="Times New Roman" panose="02020603050405020304" pitchFamily="18" charset="0"/>
-              </a:rPr>
-              <a:t>模型推理</a:t>
-            </a:r>
-          </a:p>
-        </p:txBody>
-      </p:sp>
-      <p:sp>
-        <p:nvSpPr>
-          <p:cNvPr id="3" name="文本框 2">
-            <a:extLst>
-              <a:ext uri="{FF2B5EF4-FFF2-40B4-BE49-F238E27FC236}">
-                <a16:creationId xmlns:a16="http://schemas.microsoft.com/office/drawing/2014/main" id="{CF60C5F4-CA46-17B9-66A6-E021A8169E5F}"/>
-              </a:ext>
-            </a:extLst>
-          </p:cNvPr>
-          <p:cNvSpPr txBox="1"/>
-          <p:nvPr/>
-        </p:nvSpPr>
-        <p:spPr>
-          <a:xfrm>
-            <a:off x="9700487" y="2366056"/>
-            <a:ext cx="2079415" cy="338554"/>
-          </a:xfrm>
-          <a:prstGeom prst="rect">
-            <a:avLst/>
-          </a:prstGeom>
-          <a:noFill/>
-        </p:spPr>
-        <p:txBody>
-          <a:bodyPr wrap="none" rtlCol="0">
-            <a:spAutoFit/>
-          </a:bodyPr>
-          <a:lstStyle/>
-          <a:p>
-            <a:r>
-              <a:rPr lang="zh-CN" altLang="en-US" sz="1600" dirty="0">
-                <a:latin typeface="Times New Roman" panose="02020603050405020304" pitchFamily="18" charset="0"/>
-                <a:ea typeface="宋体" panose="02010600030101010101" pitchFamily="2" charset="-122"/>
-                <a:cs typeface="Times New Roman" panose="02020603050405020304" pitchFamily="18" charset="0"/>
-              </a:rPr>
-              <a:t>将</a:t>
-            </a:r>
-            <a:r>
-              <a:rPr lang="en-US" altLang="zh-CN" sz="1600" dirty="0">
-                <a:latin typeface="Times New Roman" panose="02020603050405020304" pitchFamily="18" charset="0"/>
-                <a:ea typeface="宋体" panose="02010600030101010101" pitchFamily="2" charset="-122"/>
-                <a:cs typeface="Times New Roman" panose="02020603050405020304" pitchFamily="18" charset="0"/>
-              </a:rPr>
-              <a:t>key-value</a:t>
-            </a:r>
-            <a:r>
-              <a:rPr lang="zh-CN" altLang="en-US" sz="1600" dirty="0">
-                <a:latin typeface="Times New Roman" panose="02020603050405020304" pitchFamily="18" charset="0"/>
-                <a:ea typeface="宋体" panose="02010600030101010101" pitchFamily="2" charset="-122"/>
-                <a:cs typeface="Times New Roman" panose="02020603050405020304" pitchFamily="18" charset="0"/>
-              </a:rPr>
-              <a:t>存入</a:t>
-            </a:r>
-            <a:r>
-              <a:rPr lang="en-US" altLang="zh-CN" sz="1600" dirty="0">
-                <a:latin typeface="Times New Roman" panose="02020603050405020304" pitchFamily="18" charset="0"/>
-                <a:ea typeface="宋体" panose="02010600030101010101" pitchFamily="2" charset="-122"/>
-                <a:cs typeface="Times New Roman" panose="02020603050405020304" pitchFamily="18" charset="0"/>
-              </a:rPr>
-              <a:t>Redis</a:t>
-            </a:r>
-            <a:endParaRPr lang="zh-CN" altLang="en-US" sz="1600" dirty="0">
-              <a:latin typeface="Times New Roman" panose="02020603050405020304" pitchFamily="18" charset="0"/>
-              <a:ea typeface="宋体" panose="02010600030101010101" pitchFamily="2" charset="-122"/>
-              <a:cs typeface="Times New Roman" panose="02020603050405020304" pitchFamily="18" charset="0"/>
-            </a:endParaRPr>
-          </a:p>
-        </p:txBody>
-      </p:sp>
-      <p:sp>
-        <p:nvSpPr>
-          <p:cNvPr id="4" name="矩形 3">
-            <a:extLst>
-              <a:ext uri="{FF2B5EF4-FFF2-40B4-BE49-F238E27FC236}">
-                <a16:creationId xmlns:a16="http://schemas.microsoft.com/office/drawing/2014/main" id="{893C7FE9-83E4-B313-01DC-8BEE285292F7}"/>
-              </a:ext>
-            </a:extLst>
-          </p:cNvPr>
-          <p:cNvSpPr/>
-          <p:nvPr/>
-        </p:nvSpPr>
-        <p:spPr>
-          <a:xfrm>
-            <a:off x="138924" y="2442682"/>
-            <a:ext cx="1009990" cy="391945"/>
-          </a:xfrm>
-          <a:prstGeom prst="rect">
-            <a:avLst/>
-          </a:prstGeom>
-          <a:noFill/>
-          <a:ln w="19050">
-            <a:solidFill>
-              <a:srgbClr val="00B0F0"/>
-            </a:solidFill>
-          </a:ln>
-        </p:spPr>
-        <p:style>
-          <a:lnRef idx="2">
-            <a:schemeClr val="accent1">
-              <a:shade val="50000"/>
-            </a:schemeClr>
-          </a:lnRef>
-          <a:fillRef idx="1">
-            <a:schemeClr val="accent1"/>
-          </a:fillRef>
-          <a:effectRef idx="0">
-            <a:schemeClr val="accent1"/>
-          </a:effectRef>
-          <a:fontRef idx="minor">
-            <a:schemeClr val="lt1"/>
-          </a:fontRef>
-        </p:style>
-        <p:txBody>
-          <a:bodyPr rtlCol="0" anchor="ctr"/>
-          <a:lstStyle/>
-          <a:p>
-            <a:pPr algn="ctr"/>
-            <a:endParaRPr lang="zh-CN" altLang="en-US"/>
-          </a:p>
-        </p:txBody>
-      </p:sp>
-      <p:sp>
-        <p:nvSpPr>
-          <p:cNvPr id="5" name="矩形 4">
-            <a:extLst>
-              <a:ext uri="{FF2B5EF4-FFF2-40B4-BE49-F238E27FC236}">
-                <a16:creationId xmlns:a16="http://schemas.microsoft.com/office/drawing/2014/main" id="{A9C16369-B214-D1BB-4706-1266A3503551}"/>
-              </a:ext>
-            </a:extLst>
-          </p:cNvPr>
-          <p:cNvSpPr/>
-          <p:nvPr/>
-        </p:nvSpPr>
-        <p:spPr>
-          <a:xfrm>
-            <a:off x="7423254" y="1132902"/>
-            <a:ext cx="1215957" cy="526796"/>
-          </a:xfrm>
-          <a:prstGeom prst="rect">
-            <a:avLst/>
-          </a:prstGeom>
-          <a:noFill/>
-          <a:ln w="19050">
-            <a:solidFill>
-              <a:srgbClr val="00B0F0"/>
-            </a:solidFill>
-          </a:ln>
-        </p:spPr>
-        <p:style>
-          <a:lnRef idx="2">
-            <a:schemeClr val="accent1">
-              <a:shade val="50000"/>
-            </a:schemeClr>
-          </a:lnRef>
-          <a:fillRef idx="1">
-            <a:schemeClr val="accent1"/>
-          </a:fillRef>
-          <a:effectRef idx="0">
-            <a:schemeClr val="accent1"/>
-          </a:effectRef>
-          <a:fontRef idx="minor">
-            <a:schemeClr val="lt1"/>
-          </a:fontRef>
-        </p:style>
-        <p:txBody>
-          <a:bodyPr rtlCol="0" anchor="ctr"/>
-          <a:lstStyle/>
-          <a:p>
-            <a:pPr algn="ctr"/>
-            <a:endParaRPr lang="zh-CN" altLang="en-US"/>
-          </a:p>
-        </p:txBody>
-      </p:sp>
-      <p:sp>
-        <p:nvSpPr>
-          <p:cNvPr id="6" name="矩形 5">
-            <a:extLst>
-              <a:ext uri="{FF2B5EF4-FFF2-40B4-BE49-F238E27FC236}">
-                <a16:creationId xmlns:a16="http://schemas.microsoft.com/office/drawing/2014/main" id="{F1156FE1-876E-2BA7-D5C0-E7899AADFB42}"/>
-              </a:ext>
-            </a:extLst>
-          </p:cNvPr>
-          <p:cNvSpPr/>
-          <p:nvPr/>
-        </p:nvSpPr>
-        <p:spPr>
-          <a:xfrm>
-            <a:off x="9610719" y="2231802"/>
-            <a:ext cx="2113731" cy="542382"/>
-          </a:xfrm>
-          <a:prstGeom prst="rect">
-            <a:avLst/>
-          </a:prstGeom>
-          <a:noFill/>
-          <a:ln w="19050">
-            <a:solidFill>
-              <a:srgbClr val="00B0F0"/>
-            </a:solidFill>
-          </a:ln>
-        </p:spPr>
-        <p:style>
-          <a:lnRef idx="2">
-            <a:schemeClr val="accent1">
-              <a:shade val="50000"/>
-            </a:schemeClr>
-          </a:lnRef>
-          <a:fillRef idx="1">
-            <a:schemeClr val="accent1"/>
-          </a:fillRef>
-          <a:effectRef idx="0">
-            <a:schemeClr val="accent1"/>
-          </a:effectRef>
-          <a:fontRef idx="minor">
-            <a:schemeClr val="lt1"/>
-          </a:fontRef>
-        </p:style>
-        <p:txBody>
-          <a:bodyPr rtlCol="0" anchor="ctr"/>
-          <a:lstStyle/>
-          <a:p>
-            <a:pPr algn="ctr"/>
-            <a:endParaRPr lang="zh-CN" altLang="en-US"/>
-          </a:p>
-        </p:txBody>
-      </p:sp>
-      <p:sp>
-        <p:nvSpPr>
-          <p:cNvPr id="7" name="文本框 6">
-            <a:extLst>
-              <a:ext uri="{FF2B5EF4-FFF2-40B4-BE49-F238E27FC236}">
-                <a16:creationId xmlns:a16="http://schemas.microsoft.com/office/drawing/2014/main" id="{01B2837D-708C-3881-8386-3EC2BC4C7B3B}"/>
-              </a:ext>
-            </a:extLst>
-          </p:cNvPr>
-          <p:cNvSpPr txBox="1"/>
-          <p:nvPr/>
-        </p:nvSpPr>
-        <p:spPr>
-          <a:xfrm>
-            <a:off x="1523285" y="2122782"/>
-            <a:ext cx="663964" cy="338554"/>
-          </a:xfrm>
-          <a:prstGeom prst="rect">
-            <a:avLst/>
-          </a:prstGeom>
-          <a:noFill/>
-        </p:spPr>
-        <p:txBody>
-          <a:bodyPr wrap="none" rtlCol="0">
-            <a:spAutoFit/>
-          </a:bodyPr>
-          <a:lstStyle/>
-          <a:p>
-            <a:r>
-              <a:rPr lang="en-US" altLang="zh-CN" sz="1600" b="1" i="1" dirty="0">
-                <a:latin typeface="Times New Roman" panose="02020603050405020304" pitchFamily="18" charset="0"/>
-                <a:cs typeface="Times New Roman" panose="02020603050405020304" pitchFamily="18" charset="0"/>
-              </a:rPr>
-              <a:t>query</a:t>
-            </a:r>
-            <a:endParaRPr lang="zh-CN" altLang="en-US" sz="1600" b="1" i="1" dirty="0">
-              <a:latin typeface="Times New Roman" panose="02020603050405020304" pitchFamily="18" charset="0"/>
-              <a:cs typeface="Times New Roman" panose="02020603050405020304" pitchFamily="18" charset="0"/>
-            </a:endParaRPr>
-          </a:p>
-        </p:txBody>
-      </p:sp>
-      <p:cxnSp>
-        <p:nvCxnSpPr>
-          <p:cNvPr id="8" name="直接箭头连接符 7">
-            <a:extLst>
-              <a:ext uri="{FF2B5EF4-FFF2-40B4-BE49-F238E27FC236}">
-                <a16:creationId xmlns:a16="http://schemas.microsoft.com/office/drawing/2014/main" id="{E8FE62BD-6081-0862-475E-04E21D728D29}"/>
-              </a:ext>
-            </a:extLst>
-          </p:cNvPr>
-          <p:cNvCxnSpPr>
-            <a:cxnSpLocks/>
-          </p:cNvCxnSpPr>
-          <p:nvPr/>
-        </p:nvCxnSpPr>
-        <p:spPr>
-          <a:xfrm flipV="1">
-            <a:off x="1407541" y="2466957"/>
-            <a:ext cx="1567061" cy="15363"/>
-          </a:xfrm>
-          <a:prstGeom prst="straightConnector1">
-            <a:avLst/>
-          </a:prstGeom>
-          <a:ln w="12700">
-            <a:tailEnd type="triangle"/>
-          </a:ln>
-        </p:spPr>
-        <p:style>
-          <a:lnRef idx="1">
-            <a:schemeClr val="accent1"/>
-          </a:lnRef>
-          <a:fillRef idx="0">
-            <a:schemeClr val="accent1"/>
-          </a:fillRef>
-          <a:effectRef idx="0">
-            <a:schemeClr val="accent1"/>
-          </a:effectRef>
-          <a:fontRef idx="minor">
-            <a:schemeClr val="tx1"/>
-          </a:fontRef>
-        </p:style>
-      </p:cxnSp>
-      <p:sp>
-        <p:nvSpPr>
-          <p:cNvPr id="9" name="文本框 8">
-            <a:extLst>
-              <a:ext uri="{FF2B5EF4-FFF2-40B4-BE49-F238E27FC236}">
-                <a16:creationId xmlns:a16="http://schemas.microsoft.com/office/drawing/2014/main" id="{501C8433-81D1-2C2C-7A1A-B31E515882FB}"/>
-              </a:ext>
-            </a:extLst>
-          </p:cNvPr>
-          <p:cNvSpPr txBox="1"/>
-          <p:nvPr/>
-        </p:nvSpPr>
-        <p:spPr>
-          <a:xfrm>
-            <a:off x="1561426" y="2837183"/>
-            <a:ext cx="744114" cy="276999"/>
-          </a:xfrm>
-          <a:prstGeom prst="rect">
-            <a:avLst/>
-          </a:prstGeom>
-          <a:noFill/>
-        </p:spPr>
-        <p:txBody>
-          <a:bodyPr wrap="none" rtlCol="0">
-            <a:spAutoFit/>
-          </a:bodyPr>
-          <a:lstStyle/>
-          <a:p>
-            <a:r>
-              <a:rPr lang="zh-CN" altLang="en-US" sz="1200" b="1" dirty="0">
-                <a:latin typeface="Times New Roman" panose="02020603050405020304" pitchFamily="18" charset="0"/>
-                <a:ea typeface="宋体" panose="02010600030101010101" pitchFamily="2" charset="-122"/>
-                <a:cs typeface="Times New Roman" panose="02020603050405020304" pitchFamily="18" charset="0"/>
-              </a:rPr>
-              <a:t>命中 </a:t>
-            </a:r>
-            <a:r>
-              <a:rPr lang="en-US" altLang="zh-CN" sz="1200" b="1" dirty="0">
-                <a:latin typeface="Times New Roman" panose="02020603050405020304" pitchFamily="18" charset="0"/>
-                <a:ea typeface="宋体" panose="02010600030101010101" pitchFamily="2" charset="-122"/>
-                <a:cs typeface="Times New Roman" panose="02020603050405020304" pitchFamily="18" charset="0"/>
-              </a:rPr>
-              <a:t>(Y)</a:t>
-            </a:r>
-            <a:endParaRPr lang="zh-CN" altLang="en-US" sz="1200" b="1" dirty="0">
-              <a:latin typeface="Times New Roman" panose="02020603050405020304" pitchFamily="18" charset="0"/>
-              <a:ea typeface="宋体" panose="02010600030101010101" pitchFamily="2" charset="-122"/>
-              <a:cs typeface="Times New Roman" panose="02020603050405020304" pitchFamily="18" charset="0"/>
-            </a:endParaRPr>
-          </a:p>
-        </p:txBody>
-      </p:sp>
-      <p:sp>
-        <p:nvSpPr>
-          <p:cNvPr id="10" name="文本框 9">
-            <a:extLst>
-              <a:ext uri="{FF2B5EF4-FFF2-40B4-BE49-F238E27FC236}">
-                <a16:creationId xmlns:a16="http://schemas.microsoft.com/office/drawing/2014/main" id="{A1B22281-1C71-20BA-1725-B8FB4AD9FC0C}"/>
-              </a:ext>
-            </a:extLst>
-          </p:cNvPr>
-          <p:cNvSpPr txBox="1"/>
-          <p:nvPr/>
-        </p:nvSpPr>
-        <p:spPr>
-          <a:xfrm>
-            <a:off x="5023089" y="2305977"/>
-            <a:ext cx="898003" cy="276999"/>
-          </a:xfrm>
-          <a:prstGeom prst="rect">
-            <a:avLst/>
-          </a:prstGeom>
-          <a:noFill/>
-        </p:spPr>
-        <p:txBody>
-          <a:bodyPr wrap="none" rtlCol="0">
-            <a:spAutoFit/>
-          </a:bodyPr>
-          <a:lstStyle/>
-          <a:p>
-            <a:r>
-              <a:rPr lang="zh-CN" altLang="en-US" sz="1200" b="1" dirty="0">
-                <a:latin typeface="Times New Roman" panose="02020603050405020304" pitchFamily="18" charset="0"/>
-                <a:ea typeface="宋体" panose="02010600030101010101" pitchFamily="2" charset="-122"/>
-                <a:cs typeface="Times New Roman" panose="02020603050405020304" pitchFamily="18" charset="0"/>
-              </a:rPr>
-              <a:t>未命中 </a:t>
-            </a:r>
-            <a:r>
-              <a:rPr lang="en-US" altLang="zh-CN" sz="1200" b="1" dirty="0">
-                <a:latin typeface="Times New Roman" panose="02020603050405020304" pitchFamily="18" charset="0"/>
-                <a:ea typeface="宋体" panose="02010600030101010101" pitchFamily="2" charset="-122"/>
-                <a:cs typeface="Times New Roman" panose="02020603050405020304" pitchFamily="18" charset="0"/>
-              </a:rPr>
-              <a:t>(N)</a:t>
-            </a:r>
-            <a:endParaRPr lang="zh-CN" altLang="en-US" sz="1200" b="1" dirty="0">
-              <a:latin typeface="Times New Roman" panose="02020603050405020304" pitchFamily="18" charset="0"/>
-              <a:ea typeface="宋体" panose="02010600030101010101" pitchFamily="2" charset="-122"/>
-              <a:cs typeface="Times New Roman" panose="02020603050405020304" pitchFamily="18" charset="0"/>
-            </a:endParaRPr>
-          </a:p>
-        </p:txBody>
-      </p:sp>
-      <p:sp>
-        <p:nvSpPr>
-          <p:cNvPr id="11" name="矩形: 圆角 10">
-            <a:extLst>
-              <a:ext uri="{FF2B5EF4-FFF2-40B4-BE49-F238E27FC236}">
-                <a16:creationId xmlns:a16="http://schemas.microsoft.com/office/drawing/2014/main" id="{7F751F36-4BEE-0C47-60C1-92963546AC98}"/>
-              </a:ext>
-            </a:extLst>
-          </p:cNvPr>
-          <p:cNvSpPr/>
-          <p:nvPr/>
-        </p:nvSpPr>
-        <p:spPr>
-          <a:xfrm>
-            <a:off x="2290831" y="1875315"/>
-            <a:ext cx="2750895" cy="1519164"/>
-          </a:xfrm>
-          <a:prstGeom prst="roundRect">
-            <a:avLst/>
-          </a:prstGeom>
-          <a:noFill/>
-          <a:ln>
-            <a:solidFill>
-              <a:schemeClr val="accent6">
-                <a:lumMod val="60000"/>
-                <a:lumOff val="40000"/>
-              </a:schemeClr>
-            </a:solidFill>
-          </a:ln>
-        </p:spPr>
-        <p:style>
-          <a:lnRef idx="2">
-            <a:schemeClr val="accent1">
-              <a:shade val="50000"/>
-            </a:schemeClr>
-          </a:lnRef>
-          <a:fillRef idx="1">
-            <a:schemeClr val="accent1"/>
-          </a:fillRef>
-          <a:effectRef idx="0">
-            <a:schemeClr val="accent1"/>
-          </a:effectRef>
-          <a:fontRef idx="minor">
-            <a:schemeClr val="lt1"/>
-          </a:fontRef>
-        </p:style>
-        <p:txBody>
-          <a:bodyPr rtlCol="0" anchor="ctr"/>
-          <a:lstStyle/>
-          <a:p>
-            <a:pPr algn="ctr"/>
-            <a:endParaRPr lang="zh-CN" altLang="en-US"/>
-          </a:p>
-        </p:txBody>
-      </p:sp>
-      <p:sp>
-        <p:nvSpPr>
-          <p:cNvPr id="12" name="文本框 11">
-            <a:extLst>
-              <a:ext uri="{FF2B5EF4-FFF2-40B4-BE49-F238E27FC236}">
-                <a16:creationId xmlns:a16="http://schemas.microsoft.com/office/drawing/2014/main" id="{EA34C0B9-31CF-64EB-D29F-0F56C9894874}"/>
-              </a:ext>
-            </a:extLst>
-          </p:cNvPr>
-          <p:cNvSpPr txBox="1"/>
-          <p:nvPr/>
-        </p:nvSpPr>
-        <p:spPr>
-          <a:xfrm>
-            <a:off x="7152710" y="686705"/>
-            <a:ext cx="1927093" cy="276999"/>
-          </a:xfrm>
-          <a:prstGeom prst="rect">
-            <a:avLst/>
-          </a:prstGeom>
-          <a:noFill/>
-        </p:spPr>
-        <p:txBody>
-          <a:bodyPr wrap="square" rtlCol="0">
-            <a:spAutoFit/>
-          </a:bodyPr>
-          <a:lstStyle/>
-          <a:p>
-            <a:r>
-              <a:rPr lang="en-US" altLang="zh-CN" sz="1200" dirty="0">
+              <a:rPr lang="en-US" altLang="zh-CN" sz="3200" b="1" dirty="0">
                 <a:solidFill>
-                  <a:srgbClr val="FF0000"/>
-                </a:solidFill>
-                <a:latin typeface="Times New Roman" panose="02020603050405020304" pitchFamily="18" charset="0"/>
-                <a:ea typeface="宋体" panose="02010600030101010101" pitchFamily="2" charset="-122"/>
-                <a:cs typeface="Times New Roman" panose="02020603050405020304" pitchFamily="18" charset="0"/>
-              </a:rPr>
-              <a:t>TorchServe</a:t>
-            </a:r>
-            <a:r>
-              <a:rPr lang="zh-CN" altLang="en-US" sz="1200" dirty="0">
-                <a:solidFill>
-                  <a:srgbClr val="FF0000"/>
-                </a:solidFill>
-                <a:latin typeface="Times New Roman" panose="02020603050405020304" pitchFamily="18" charset="0"/>
-                <a:ea typeface="宋体" panose="02010600030101010101" pitchFamily="2" charset="-122"/>
-                <a:cs typeface="Times New Roman" panose="02020603050405020304" pitchFamily="18" charset="0"/>
-              </a:rPr>
-              <a:t>模型推理模块</a:t>
-            </a:r>
-          </a:p>
-        </p:txBody>
-      </p:sp>
-      <p:sp>
-        <p:nvSpPr>
-          <p:cNvPr id="13" name="矩形: 圆角 12">
-            <a:extLst>
-              <a:ext uri="{FF2B5EF4-FFF2-40B4-BE49-F238E27FC236}">
-                <a16:creationId xmlns:a16="http://schemas.microsoft.com/office/drawing/2014/main" id="{A940227D-7192-677D-7A5A-E6DBF98F695D}"/>
-              </a:ext>
-            </a:extLst>
-          </p:cNvPr>
-          <p:cNvSpPr/>
-          <p:nvPr/>
-        </p:nvSpPr>
-        <p:spPr>
-          <a:xfrm>
-            <a:off x="9422742" y="1946786"/>
-            <a:ext cx="2507439" cy="1219342"/>
-          </a:xfrm>
-          <a:prstGeom prst="roundRect">
-            <a:avLst/>
-          </a:prstGeom>
-          <a:noFill/>
-          <a:ln>
-            <a:solidFill>
-              <a:schemeClr val="accent6">
-                <a:lumMod val="60000"/>
-                <a:lumOff val="40000"/>
-              </a:schemeClr>
-            </a:solidFill>
-          </a:ln>
-        </p:spPr>
-        <p:style>
-          <a:lnRef idx="2">
-            <a:schemeClr val="accent1">
-              <a:shade val="50000"/>
-            </a:schemeClr>
-          </a:lnRef>
-          <a:fillRef idx="1">
-            <a:schemeClr val="accent1"/>
-          </a:fillRef>
-          <a:effectRef idx="0">
-            <a:schemeClr val="accent1"/>
-          </a:effectRef>
-          <a:fontRef idx="minor">
-            <a:schemeClr val="lt1"/>
-          </a:fontRef>
-        </p:style>
-        <p:txBody>
-          <a:bodyPr rtlCol="0" anchor="ctr"/>
-          <a:lstStyle/>
-          <a:p>
-            <a:pPr algn="ctr"/>
-            <a:endParaRPr lang="zh-CN" altLang="en-US"/>
-          </a:p>
-        </p:txBody>
-      </p:sp>
-      <p:sp>
-        <p:nvSpPr>
-          <p:cNvPr id="14" name="文本框 13">
-            <a:extLst>
-              <a:ext uri="{FF2B5EF4-FFF2-40B4-BE49-F238E27FC236}">
-                <a16:creationId xmlns:a16="http://schemas.microsoft.com/office/drawing/2014/main" id="{4C047CBB-CD4C-0670-4373-3E36A1635838}"/>
-              </a:ext>
-            </a:extLst>
-          </p:cNvPr>
-          <p:cNvSpPr txBox="1"/>
-          <p:nvPr/>
-        </p:nvSpPr>
-        <p:spPr>
-          <a:xfrm>
-            <a:off x="10586543" y="2861993"/>
-            <a:ext cx="1343638" cy="276999"/>
-          </a:xfrm>
-          <a:prstGeom prst="rect">
-            <a:avLst/>
-          </a:prstGeom>
-          <a:noFill/>
-        </p:spPr>
-        <p:txBody>
-          <a:bodyPr wrap="none" rtlCol="0">
-            <a:spAutoFit/>
-          </a:bodyPr>
-          <a:lstStyle/>
-          <a:p>
-            <a:r>
-              <a:rPr lang="en-US" altLang="zh-CN" sz="1200" dirty="0">
-                <a:solidFill>
-                  <a:schemeClr val="accent6">
+                  <a:schemeClr val="accent2">
                     <a:lumMod val="75000"/>
                   </a:schemeClr>
                 </a:solidFill>
@@ -14937,12 +16302,12 @@
                 <a:ea typeface="宋体" panose="02010600030101010101" pitchFamily="2" charset="-122"/>
                 <a:cs typeface="Times New Roman" panose="02020603050405020304" pitchFamily="18" charset="0"/>
               </a:rPr>
-              <a:t>Redis </a:t>
-            </a:r>
-            <a:r>
-              <a:rPr lang="zh-CN" altLang="en-US" sz="1200" dirty="0">
+              <a:t>03</a:t>
+            </a:r>
+            <a:r>
+              <a:rPr lang="zh-CN" altLang="en-US" sz="3200" b="1" dirty="0">
                 <a:solidFill>
-                  <a:schemeClr val="accent6">
+                  <a:schemeClr val="accent2">
                     <a:lumMod val="75000"/>
                   </a:schemeClr>
                 </a:solidFill>
@@ -14950,1380 +16315,15 @@
                 <a:ea typeface="宋体" panose="02010600030101010101" pitchFamily="2" charset="-122"/>
                 <a:cs typeface="Times New Roman" panose="02020603050405020304" pitchFamily="18" charset="0"/>
               </a:rPr>
-              <a:t>数据库模块</a:t>
-            </a:r>
-          </a:p>
-        </p:txBody>
-      </p:sp>
-      <p:sp>
-        <p:nvSpPr>
-          <p:cNvPr id="15" name="文本框 14">
-            <a:extLst>
-              <a:ext uri="{FF2B5EF4-FFF2-40B4-BE49-F238E27FC236}">
-                <a16:creationId xmlns:a16="http://schemas.microsoft.com/office/drawing/2014/main" id="{DF0FC1A1-1A3C-3803-6196-7E8C8666E92B}"/>
-              </a:ext>
-            </a:extLst>
-          </p:cNvPr>
-          <p:cNvSpPr txBox="1"/>
-          <p:nvPr/>
-        </p:nvSpPr>
-        <p:spPr>
-          <a:xfrm>
-            <a:off x="5919612" y="475921"/>
-            <a:ext cx="902811" cy="307777"/>
-          </a:xfrm>
-          <a:prstGeom prst="rect">
-            <a:avLst/>
-          </a:prstGeom>
-          <a:noFill/>
-        </p:spPr>
-        <p:txBody>
-          <a:bodyPr wrap="none" rtlCol="0">
-            <a:spAutoFit/>
-          </a:bodyPr>
-          <a:lstStyle/>
-          <a:p>
-            <a:r>
-              <a:rPr lang="zh-CN" altLang="en-US" sz="1400" b="1" dirty="0">
-                <a:latin typeface="宋体" panose="02010600030101010101" pitchFamily="2" charset="-122"/>
-                <a:ea typeface="宋体" panose="02010600030101010101" pitchFamily="2" charset="-122"/>
-              </a:rPr>
-              <a:t>请求转发</a:t>
-            </a:r>
-          </a:p>
-        </p:txBody>
-      </p:sp>
-      <p:sp>
-        <p:nvSpPr>
-          <p:cNvPr id="16" name="矩形: 圆角 15">
-            <a:extLst>
-              <a:ext uri="{FF2B5EF4-FFF2-40B4-BE49-F238E27FC236}">
-                <a16:creationId xmlns:a16="http://schemas.microsoft.com/office/drawing/2014/main" id="{D4E6C3E5-723E-DEDC-1349-961BECF16AC6}"/>
-              </a:ext>
-            </a:extLst>
-          </p:cNvPr>
-          <p:cNvSpPr/>
-          <p:nvPr/>
-        </p:nvSpPr>
-        <p:spPr>
-          <a:xfrm>
-            <a:off x="5958366" y="478266"/>
-            <a:ext cx="829235" cy="336459"/>
-          </a:xfrm>
-          <a:prstGeom prst="roundRect">
-            <a:avLst/>
-          </a:prstGeom>
-          <a:noFill/>
-          <a:ln w="12700">
-            <a:solidFill>
-              <a:schemeClr val="accent1">
-                <a:lumMod val="60000"/>
-                <a:lumOff val="40000"/>
-              </a:schemeClr>
-            </a:solidFill>
-            <a:prstDash val="solid"/>
-            <a:extLst>
-              <a:ext uri="{C807C97D-BFC1-408E-A445-0C87EB9F89A2}">
-                <ask:lineSketchStyleProps xmlns:ask="http://schemas.microsoft.com/office/drawing/2018/sketchyshapes">
-                  <ask:type>
-                    <ask:lineSketchNone/>
-                  </ask:type>
-                </ask:lineSketchStyleProps>
-              </a:ext>
-            </a:extLst>
-          </a:ln>
-        </p:spPr>
-        <p:style>
-          <a:lnRef idx="2">
-            <a:schemeClr val="accent1">
-              <a:shade val="50000"/>
-            </a:schemeClr>
-          </a:lnRef>
-          <a:fillRef idx="1">
-            <a:schemeClr val="accent1"/>
-          </a:fillRef>
-          <a:effectRef idx="0">
-            <a:schemeClr val="accent1"/>
-          </a:effectRef>
-          <a:fontRef idx="minor">
-            <a:schemeClr val="lt1"/>
-          </a:fontRef>
-        </p:style>
-        <p:txBody>
-          <a:bodyPr rtlCol="0" anchor="ctr"/>
-          <a:lstStyle/>
-          <a:p>
-            <a:pPr algn="ctr"/>
-            <a:endParaRPr lang="zh-CN" altLang="en-US"/>
-          </a:p>
-        </p:txBody>
-      </p:sp>
-      <p:sp>
-        <p:nvSpPr>
-          <p:cNvPr id="17" name="文本框 16">
-            <a:extLst>
-              <a:ext uri="{FF2B5EF4-FFF2-40B4-BE49-F238E27FC236}">
-                <a16:creationId xmlns:a16="http://schemas.microsoft.com/office/drawing/2014/main" id="{F83DE860-185A-264B-41F8-5DC0EF2230AC}"/>
-              </a:ext>
-            </a:extLst>
-          </p:cNvPr>
-          <p:cNvSpPr txBox="1"/>
-          <p:nvPr/>
-        </p:nvSpPr>
-        <p:spPr>
-          <a:xfrm>
-            <a:off x="3208641" y="2425072"/>
-            <a:ext cx="1460656" cy="369332"/>
-          </a:xfrm>
-          <a:prstGeom prst="rect">
-            <a:avLst/>
-          </a:prstGeom>
-          <a:noFill/>
-        </p:spPr>
-        <p:txBody>
-          <a:bodyPr wrap="none" rtlCol="0">
-            <a:spAutoFit/>
-          </a:bodyPr>
-          <a:lstStyle/>
-          <a:p>
-            <a:r>
-              <a:rPr lang="en-US" altLang="zh-CN" dirty="0">
-                <a:latin typeface="Times New Roman" panose="02020603050405020304" pitchFamily="18" charset="0"/>
-                <a:cs typeface="Times New Roman" panose="02020603050405020304" pitchFamily="18" charset="0"/>
-              </a:rPr>
-              <a:t>Redis </a:t>
-            </a:r>
-            <a:r>
-              <a:rPr lang="zh-CN" altLang="en-US" dirty="0">
-                <a:latin typeface="宋体" panose="02010600030101010101" pitchFamily="2" charset="-122"/>
-                <a:ea typeface="宋体" panose="02010600030101010101" pitchFamily="2" charset="-122"/>
-                <a:cs typeface="Times New Roman" panose="02020603050405020304" pitchFamily="18" charset="0"/>
-              </a:rPr>
-              <a:t>数据库</a:t>
-            </a:r>
-          </a:p>
-        </p:txBody>
-      </p:sp>
-      <p:sp>
-        <p:nvSpPr>
-          <p:cNvPr id="18" name="矩形 17">
-            <a:extLst>
-              <a:ext uri="{FF2B5EF4-FFF2-40B4-BE49-F238E27FC236}">
-                <a16:creationId xmlns:a16="http://schemas.microsoft.com/office/drawing/2014/main" id="{0F22E902-F46D-7273-DF2A-379BB9AC55E5}"/>
-              </a:ext>
-            </a:extLst>
-          </p:cNvPr>
-          <p:cNvSpPr/>
-          <p:nvPr/>
-        </p:nvSpPr>
-        <p:spPr>
-          <a:xfrm>
-            <a:off x="3124542" y="2318253"/>
-            <a:ext cx="1628854" cy="631902"/>
-          </a:xfrm>
-          <a:prstGeom prst="rect">
-            <a:avLst/>
-          </a:prstGeom>
-          <a:noFill/>
-          <a:ln w="19050">
-            <a:solidFill>
-              <a:srgbClr val="00B0F0"/>
-            </a:solidFill>
-          </a:ln>
-        </p:spPr>
-        <p:style>
-          <a:lnRef idx="2">
-            <a:schemeClr val="accent1">
-              <a:shade val="50000"/>
-            </a:schemeClr>
-          </a:lnRef>
-          <a:fillRef idx="1">
-            <a:schemeClr val="accent1"/>
-          </a:fillRef>
-          <a:effectRef idx="0">
-            <a:schemeClr val="accent1"/>
-          </a:effectRef>
-          <a:fontRef idx="minor">
-            <a:schemeClr val="lt1"/>
-          </a:fontRef>
-        </p:style>
-        <p:txBody>
-          <a:bodyPr rtlCol="0" anchor="ctr"/>
-          <a:lstStyle/>
-          <a:p>
-            <a:pPr algn="ctr"/>
-            <a:endParaRPr lang="zh-CN" altLang="en-US"/>
-          </a:p>
-        </p:txBody>
-      </p:sp>
-      <p:sp>
-        <p:nvSpPr>
-          <p:cNvPr id="19" name="文本框 18">
-            <a:extLst>
-              <a:ext uri="{FF2B5EF4-FFF2-40B4-BE49-F238E27FC236}">
-                <a16:creationId xmlns:a16="http://schemas.microsoft.com/office/drawing/2014/main" id="{F281C7D5-048B-6D42-368B-CEE75DB71B6C}"/>
-              </a:ext>
-            </a:extLst>
-          </p:cNvPr>
-          <p:cNvSpPr txBox="1"/>
-          <p:nvPr/>
-        </p:nvSpPr>
-        <p:spPr>
-          <a:xfrm>
-            <a:off x="3036158" y="1936109"/>
-            <a:ext cx="902811" cy="307777"/>
-          </a:xfrm>
-          <a:prstGeom prst="rect">
-            <a:avLst/>
-          </a:prstGeom>
-          <a:noFill/>
-        </p:spPr>
-        <p:txBody>
-          <a:bodyPr wrap="none" rtlCol="0">
-            <a:spAutoFit/>
-          </a:bodyPr>
-          <a:lstStyle/>
-          <a:p>
-            <a:r>
-              <a:rPr lang="zh-CN" altLang="en-US" sz="1400" b="1" dirty="0">
-                <a:latin typeface="宋体" panose="02010600030101010101" pitchFamily="2" charset="-122"/>
-                <a:ea typeface="宋体" panose="02010600030101010101" pitchFamily="2" charset="-122"/>
-              </a:rPr>
-              <a:t>查询操作</a:t>
-            </a:r>
-          </a:p>
-        </p:txBody>
-      </p:sp>
-      <p:sp>
-        <p:nvSpPr>
-          <p:cNvPr id="20" name="文本框 19">
-            <a:extLst>
-              <a:ext uri="{FF2B5EF4-FFF2-40B4-BE49-F238E27FC236}">
-                <a16:creationId xmlns:a16="http://schemas.microsoft.com/office/drawing/2014/main" id="{2115A196-2FEA-CE0F-C99C-B13A124996E9}"/>
-              </a:ext>
-            </a:extLst>
-          </p:cNvPr>
-          <p:cNvSpPr txBox="1"/>
-          <p:nvPr/>
-        </p:nvSpPr>
-        <p:spPr>
-          <a:xfrm>
-            <a:off x="130625" y="2463001"/>
-            <a:ext cx="1056700" cy="369332"/>
-          </a:xfrm>
-          <a:prstGeom prst="rect">
-            <a:avLst/>
-          </a:prstGeom>
-          <a:noFill/>
-        </p:spPr>
-        <p:txBody>
-          <a:bodyPr wrap="none" rtlCol="0">
-            <a:spAutoFit/>
-          </a:bodyPr>
-          <a:lstStyle/>
-          <a:p>
-            <a:r>
-              <a:rPr lang="en-US" altLang="zh-CN" dirty="0">
-                <a:latin typeface="Times New Roman" panose="02020603050405020304" pitchFamily="18" charset="0"/>
-                <a:cs typeface="Times New Roman" panose="02020603050405020304" pitchFamily="18" charset="0"/>
-              </a:rPr>
-              <a:t>code-hint</a:t>
-            </a:r>
-            <a:endParaRPr lang="zh-CN" altLang="en-US" dirty="0">
-              <a:latin typeface="Times New Roman" panose="02020603050405020304" pitchFamily="18" charset="0"/>
-              <a:cs typeface="Times New Roman" panose="02020603050405020304" pitchFamily="18" charset="0"/>
-            </a:endParaRPr>
-          </a:p>
-        </p:txBody>
-      </p:sp>
-      <p:cxnSp>
-        <p:nvCxnSpPr>
-          <p:cNvPr id="21" name="直接箭头连接符 20">
-            <a:extLst>
-              <a:ext uri="{FF2B5EF4-FFF2-40B4-BE49-F238E27FC236}">
-                <a16:creationId xmlns:a16="http://schemas.microsoft.com/office/drawing/2014/main" id="{91F698CC-2DCD-1B5A-8FF6-1ADF604ACBDE}"/>
-              </a:ext>
-            </a:extLst>
-          </p:cNvPr>
-          <p:cNvCxnSpPr>
-            <a:cxnSpLocks/>
-          </p:cNvCxnSpPr>
-          <p:nvPr/>
-        </p:nvCxnSpPr>
-        <p:spPr>
-          <a:xfrm flipH="1">
-            <a:off x="1407541" y="2832333"/>
-            <a:ext cx="1567061" cy="20947"/>
-          </a:xfrm>
-          <a:prstGeom prst="straightConnector1">
-            <a:avLst/>
-          </a:prstGeom>
-          <a:ln w="12700">
-            <a:tailEnd type="triangle"/>
-          </a:ln>
-        </p:spPr>
-        <p:style>
-          <a:lnRef idx="1">
-            <a:schemeClr val="accent1"/>
-          </a:lnRef>
-          <a:fillRef idx="0">
-            <a:schemeClr val="accent1"/>
-          </a:fillRef>
-          <a:effectRef idx="0">
-            <a:schemeClr val="accent1"/>
-          </a:effectRef>
-          <a:fontRef idx="minor">
-            <a:schemeClr val="tx1"/>
-          </a:fontRef>
-        </p:style>
-      </p:cxnSp>
-      <p:cxnSp>
-        <p:nvCxnSpPr>
-          <p:cNvPr id="22" name="直接箭头连接符 21">
-            <a:extLst>
-              <a:ext uri="{FF2B5EF4-FFF2-40B4-BE49-F238E27FC236}">
-                <a16:creationId xmlns:a16="http://schemas.microsoft.com/office/drawing/2014/main" id="{3658F5CD-662F-14A4-133F-1CE1605BB571}"/>
-              </a:ext>
-            </a:extLst>
-          </p:cNvPr>
-          <p:cNvCxnSpPr/>
-          <p:nvPr/>
-        </p:nvCxnSpPr>
-        <p:spPr>
-          <a:xfrm flipV="1">
-            <a:off x="5023089" y="2650553"/>
-            <a:ext cx="935277" cy="8996"/>
-          </a:xfrm>
-          <a:prstGeom prst="straightConnector1">
-            <a:avLst/>
-          </a:prstGeom>
-          <a:ln w="12700">
-            <a:tailEnd type="triangle"/>
-          </a:ln>
-        </p:spPr>
-        <p:style>
-          <a:lnRef idx="1">
-            <a:schemeClr val="accent1"/>
-          </a:lnRef>
-          <a:fillRef idx="0">
-            <a:schemeClr val="accent1"/>
-          </a:fillRef>
-          <a:effectRef idx="0">
-            <a:schemeClr val="accent1"/>
-          </a:effectRef>
-          <a:fontRef idx="minor">
-            <a:schemeClr val="tx1"/>
-          </a:fontRef>
-        </p:style>
-      </p:cxnSp>
-      <p:sp>
-        <p:nvSpPr>
-          <p:cNvPr id="23" name="矩形 22">
-            <a:extLst>
-              <a:ext uri="{FF2B5EF4-FFF2-40B4-BE49-F238E27FC236}">
-                <a16:creationId xmlns:a16="http://schemas.microsoft.com/office/drawing/2014/main" id="{36227E8E-D4C9-F4EE-F2CC-EB5DC446C2E5}"/>
-              </a:ext>
-            </a:extLst>
-          </p:cNvPr>
-          <p:cNvSpPr/>
-          <p:nvPr/>
-        </p:nvSpPr>
-        <p:spPr>
-          <a:xfrm>
-            <a:off x="6048134" y="873036"/>
-            <a:ext cx="668837" cy="3548651"/>
-          </a:xfrm>
-          <a:prstGeom prst="rect">
-            <a:avLst/>
-          </a:prstGeom>
-          <a:solidFill>
-            <a:schemeClr val="accent4">
-              <a:lumMod val="20000"/>
-              <a:lumOff val="80000"/>
-            </a:schemeClr>
-          </a:solidFill>
-          <a:ln>
-            <a:noFill/>
-          </a:ln>
-        </p:spPr>
-        <p:style>
-          <a:lnRef idx="2">
-            <a:schemeClr val="accent1">
-              <a:shade val="50000"/>
-            </a:schemeClr>
-          </a:lnRef>
-          <a:fillRef idx="1">
-            <a:schemeClr val="accent1"/>
-          </a:fillRef>
-          <a:effectRef idx="0">
-            <a:schemeClr val="accent1"/>
-          </a:effectRef>
-          <a:fontRef idx="minor">
-            <a:schemeClr val="lt1"/>
-          </a:fontRef>
-        </p:style>
-        <p:txBody>
-          <a:bodyPr rtlCol="0" anchor="ctr"/>
-          <a:lstStyle/>
-          <a:p>
-            <a:pPr algn="ctr"/>
-            <a:endParaRPr lang="zh-CN" altLang="en-US"/>
-          </a:p>
-        </p:txBody>
-      </p:sp>
-      <p:sp>
-        <p:nvSpPr>
-          <p:cNvPr id="24" name="文本框 23">
-            <a:extLst>
-              <a:ext uri="{FF2B5EF4-FFF2-40B4-BE49-F238E27FC236}">
-                <a16:creationId xmlns:a16="http://schemas.microsoft.com/office/drawing/2014/main" id="{B90ABAB8-7391-EBFC-88A7-F5D531D5692A}"/>
-              </a:ext>
-            </a:extLst>
-          </p:cNvPr>
-          <p:cNvSpPr txBox="1"/>
-          <p:nvPr/>
-        </p:nvSpPr>
-        <p:spPr>
-          <a:xfrm>
-            <a:off x="6010890" y="2309992"/>
-            <a:ext cx="708848" cy="338554"/>
-          </a:xfrm>
-          <a:prstGeom prst="rect">
-            <a:avLst/>
-          </a:prstGeom>
-          <a:noFill/>
-        </p:spPr>
-        <p:txBody>
-          <a:bodyPr wrap="none" rtlCol="0">
-            <a:spAutoFit/>
-          </a:bodyPr>
-          <a:lstStyle/>
-          <a:p>
-            <a:r>
-              <a:rPr lang="en-US" altLang="zh-CN" sz="1600" b="1" dirty="0">
-                <a:latin typeface="Times New Roman" panose="02020603050405020304" pitchFamily="18" charset="0"/>
-                <a:cs typeface="Times New Roman" panose="02020603050405020304" pitchFamily="18" charset="0"/>
-              </a:rPr>
-              <a:t>Nginx</a:t>
-            </a:r>
-            <a:endParaRPr lang="zh-CN" altLang="en-US" sz="1600" b="1" dirty="0">
-              <a:latin typeface="Times New Roman" panose="02020603050405020304" pitchFamily="18" charset="0"/>
-              <a:cs typeface="Times New Roman" panose="02020603050405020304" pitchFamily="18" charset="0"/>
-            </a:endParaRPr>
-          </a:p>
-        </p:txBody>
-      </p:sp>
-      <p:sp>
-        <p:nvSpPr>
-          <p:cNvPr id="25" name="文本框 24">
-            <a:extLst>
-              <a:ext uri="{FF2B5EF4-FFF2-40B4-BE49-F238E27FC236}">
-                <a16:creationId xmlns:a16="http://schemas.microsoft.com/office/drawing/2014/main" id="{3C6A4581-1B1B-9B9D-4C6F-C5DFE8FD92E7}"/>
-              </a:ext>
-            </a:extLst>
-          </p:cNvPr>
-          <p:cNvSpPr txBox="1"/>
-          <p:nvPr/>
-        </p:nvSpPr>
-        <p:spPr>
-          <a:xfrm>
-            <a:off x="7503541" y="2306232"/>
-            <a:ext cx="1005403" cy="338554"/>
-          </a:xfrm>
-          <a:prstGeom prst="rect">
-            <a:avLst/>
-          </a:prstGeom>
-          <a:noFill/>
-        </p:spPr>
-        <p:txBody>
-          <a:bodyPr wrap="none" rtlCol="0">
-            <a:spAutoFit/>
-          </a:bodyPr>
-          <a:lstStyle/>
-          <a:p>
-            <a:r>
-              <a:rPr lang="zh-CN" altLang="en-US" sz="1600" dirty="0">
-                <a:latin typeface="宋体" panose="02010600030101010101" pitchFamily="2" charset="-122"/>
-                <a:ea typeface="宋体" panose="02010600030101010101" pitchFamily="2" charset="-122"/>
-                <a:cs typeface="Times New Roman" panose="02020603050405020304" pitchFamily="18" charset="0"/>
-              </a:rPr>
-              <a:t>模型推理</a:t>
-            </a:r>
-          </a:p>
-        </p:txBody>
-      </p:sp>
-      <p:sp>
-        <p:nvSpPr>
-          <p:cNvPr id="26" name="矩形 25">
-            <a:extLst>
-              <a:ext uri="{FF2B5EF4-FFF2-40B4-BE49-F238E27FC236}">
-                <a16:creationId xmlns:a16="http://schemas.microsoft.com/office/drawing/2014/main" id="{57C7149C-90B4-6A83-229F-D6D32D14A733}"/>
-              </a:ext>
-            </a:extLst>
-          </p:cNvPr>
-          <p:cNvSpPr/>
-          <p:nvPr/>
-        </p:nvSpPr>
-        <p:spPr>
-          <a:xfrm>
-            <a:off x="7423254" y="2223376"/>
-            <a:ext cx="1215957" cy="526031"/>
-          </a:xfrm>
-          <a:prstGeom prst="rect">
-            <a:avLst/>
-          </a:prstGeom>
-          <a:noFill/>
-          <a:ln w="19050">
-            <a:solidFill>
-              <a:srgbClr val="00B0F0"/>
-            </a:solidFill>
-          </a:ln>
-        </p:spPr>
-        <p:style>
-          <a:lnRef idx="2">
-            <a:schemeClr val="accent1">
-              <a:shade val="50000"/>
-            </a:schemeClr>
-          </a:lnRef>
-          <a:fillRef idx="1">
-            <a:schemeClr val="accent1"/>
-          </a:fillRef>
-          <a:effectRef idx="0">
-            <a:schemeClr val="accent1"/>
-          </a:effectRef>
-          <a:fontRef idx="minor">
-            <a:schemeClr val="lt1"/>
-          </a:fontRef>
-        </p:style>
-        <p:txBody>
-          <a:bodyPr rtlCol="0" anchor="ctr"/>
-          <a:lstStyle/>
-          <a:p>
-            <a:pPr algn="ctr"/>
-            <a:endParaRPr lang="zh-CN" altLang="en-US"/>
-          </a:p>
-        </p:txBody>
-      </p:sp>
-      <p:sp>
-        <p:nvSpPr>
-          <p:cNvPr id="27" name="文本框 26">
-            <a:extLst>
-              <a:ext uri="{FF2B5EF4-FFF2-40B4-BE49-F238E27FC236}">
-                <a16:creationId xmlns:a16="http://schemas.microsoft.com/office/drawing/2014/main" id="{D0E8BAB9-1D8C-5A5B-B914-5183AE35BCFA}"/>
-              </a:ext>
-            </a:extLst>
-          </p:cNvPr>
-          <p:cNvSpPr txBox="1"/>
-          <p:nvPr/>
-        </p:nvSpPr>
-        <p:spPr>
-          <a:xfrm>
-            <a:off x="7531215" y="3635158"/>
-            <a:ext cx="1005403" cy="338554"/>
-          </a:xfrm>
-          <a:prstGeom prst="rect">
-            <a:avLst/>
-          </a:prstGeom>
-          <a:noFill/>
-        </p:spPr>
-        <p:txBody>
-          <a:bodyPr wrap="none" rtlCol="0">
-            <a:spAutoFit/>
-          </a:bodyPr>
-          <a:lstStyle/>
-          <a:p>
-            <a:r>
-              <a:rPr lang="zh-CN" altLang="en-US" sz="1600" dirty="0">
-                <a:latin typeface="宋体" panose="02010600030101010101" pitchFamily="2" charset="-122"/>
-                <a:ea typeface="宋体" panose="02010600030101010101" pitchFamily="2" charset="-122"/>
-                <a:cs typeface="Times New Roman" panose="02020603050405020304" pitchFamily="18" charset="0"/>
-              </a:rPr>
-              <a:t>模型推理</a:t>
-            </a:r>
-          </a:p>
-        </p:txBody>
-      </p:sp>
-      <p:sp>
-        <p:nvSpPr>
-          <p:cNvPr id="28" name="矩形 27">
-            <a:extLst>
-              <a:ext uri="{FF2B5EF4-FFF2-40B4-BE49-F238E27FC236}">
-                <a16:creationId xmlns:a16="http://schemas.microsoft.com/office/drawing/2014/main" id="{B96881DC-1191-022B-2FE4-6D4265613620}"/>
-              </a:ext>
-            </a:extLst>
-          </p:cNvPr>
-          <p:cNvSpPr/>
-          <p:nvPr/>
-        </p:nvSpPr>
-        <p:spPr>
-          <a:xfrm>
-            <a:off x="7423254" y="3521596"/>
-            <a:ext cx="1215957" cy="526031"/>
-          </a:xfrm>
-          <a:prstGeom prst="rect">
-            <a:avLst/>
-          </a:prstGeom>
-          <a:noFill/>
-          <a:ln w="19050">
-            <a:solidFill>
-              <a:srgbClr val="00B0F0"/>
-            </a:solidFill>
-          </a:ln>
-        </p:spPr>
-        <p:style>
-          <a:lnRef idx="2">
-            <a:schemeClr val="accent1">
-              <a:shade val="50000"/>
-            </a:schemeClr>
-          </a:lnRef>
-          <a:fillRef idx="1">
-            <a:schemeClr val="accent1"/>
-          </a:fillRef>
-          <a:effectRef idx="0">
-            <a:schemeClr val="accent1"/>
-          </a:effectRef>
-          <a:fontRef idx="minor">
-            <a:schemeClr val="lt1"/>
-          </a:fontRef>
-        </p:style>
-        <p:txBody>
-          <a:bodyPr rtlCol="0" anchor="ctr"/>
-          <a:lstStyle/>
-          <a:p>
-            <a:pPr algn="ctr"/>
-            <a:endParaRPr lang="zh-CN" altLang="en-US"/>
-          </a:p>
-        </p:txBody>
-      </p:sp>
-      <p:cxnSp>
-        <p:nvCxnSpPr>
-          <p:cNvPr id="29" name="直接箭头连接符 28">
-            <a:extLst>
-              <a:ext uri="{FF2B5EF4-FFF2-40B4-BE49-F238E27FC236}">
-                <a16:creationId xmlns:a16="http://schemas.microsoft.com/office/drawing/2014/main" id="{505E4CC4-8FFE-B34F-4E78-DE365B2A51AC}"/>
-              </a:ext>
-            </a:extLst>
-          </p:cNvPr>
-          <p:cNvCxnSpPr>
-            <a:cxnSpLocks/>
-            <a:stCxn id="24" idx="3"/>
-            <a:endCxn id="5" idx="1"/>
-          </p:cNvCxnSpPr>
-          <p:nvPr/>
-        </p:nvCxnSpPr>
-        <p:spPr>
-          <a:xfrm flipV="1">
-            <a:off x="6719738" y="1396300"/>
-            <a:ext cx="703516" cy="1082969"/>
-          </a:xfrm>
-          <a:prstGeom prst="straightConnector1">
-            <a:avLst/>
-          </a:prstGeom>
-          <a:ln>
-            <a:tailEnd type="triangle"/>
-          </a:ln>
-        </p:spPr>
-        <p:style>
-          <a:lnRef idx="1">
-            <a:schemeClr val="accent1"/>
-          </a:lnRef>
-          <a:fillRef idx="0">
-            <a:schemeClr val="accent1"/>
-          </a:fillRef>
-          <a:effectRef idx="0">
-            <a:schemeClr val="accent1"/>
-          </a:effectRef>
-          <a:fontRef idx="minor">
-            <a:schemeClr val="tx1"/>
-          </a:fontRef>
-        </p:style>
-      </p:cxnSp>
-      <p:cxnSp>
-        <p:nvCxnSpPr>
-          <p:cNvPr id="30" name="直接箭头连接符 29">
-            <a:extLst>
-              <a:ext uri="{FF2B5EF4-FFF2-40B4-BE49-F238E27FC236}">
-                <a16:creationId xmlns:a16="http://schemas.microsoft.com/office/drawing/2014/main" id="{2B352447-9ADF-E41D-0F15-A402F3EEC27E}"/>
-              </a:ext>
-            </a:extLst>
-          </p:cNvPr>
-          <p:cNvCxnSpPr>
-            <a:stCxn id="24" idx="3"/>
-            <a:endCxn id="28" idx="1"/>
-          </p:cNvCxnSpPr>
-          <p:nvPr/>
-        </p:nvCxnSpPr>
-        <p:spPr>
-          <a:xfrm>
-            <a:off x="6719738" y="2479269"/>
-            <a:ext cx="703516" cy="1305343"/>
-          </a:xfrm>
-          <a:prstGeom prst="straightConnector1">
-            <a:avLst/>
-          </a:prstGeom>
-          <a:ln>
-            <a:tailEnd type="triangle"/>
-          </a:ln>
-        </p:spPr>
-        <p:style>
-          <a:lnRef idx="1">
-            <a:schemeClr val="accent1"/>
-          </a:lnRef>
-          <a:fillRef idx="0">
-            <a:schemeClr val="accent1"/>
-          </a:fillRef>
-          <a:effectRef idx="0">
-            <a:schemeClr val="accent1"/>
-          </a:effectRef>
-          <a:fontRef idx="minor">
-            <a:schemeClr val="tx1"/>
-          </a:fontRef>
-        </p:style>
-      </p:cxnSp>
-      <p:cxnSp>
-        <p:nvCxnSpPr>
-          <p:cNvPr id="31" name="直接箭头连接符 30">
-            <a:extLst>
-              <a:ext uri="{FF2B5EF4-FFF2-40B4-BE49-F238E27FC236}">
-                <a16:creationId xmlns:a16="http://schemas.microsoft.com/office/drawing/2014/main" id="{F4EA16F9-AB36-C92B-D943-B1F9A54B6454}"/>
-              </a:ext>
-            </a:extLst>
-          </p:cNvPr>
-          <p:cNvCxnSpPr>
-            <a:stCxn id="24" idx="3"/>
-            <a:endCxn id="26" idx="1"/>
-          </p:cNvCxnSpPr>
-          <p:nvPr/>
-        </p:nvCxnSpPr>
-        <p:spPr>
-          <a:xfrm>
-            <a:off x="6719738" y="2479269"/>
-            <a:ext cx="703516" cy="7123"/>
-          </a:xfrm>
-          <a:prstGeom prst="straightConnector1">
-            <a:avLst/>
-          </a:prstGeom>
-          <a:ln>
-            <a:tailEnd type="triangle"/>
-          </a:ln>
-        </p:spPr>
-        <p:style>
-          <a:lnRef idx="1">
-            <a:schemeClr val="accent1"/>
-          </a:lnRef>
-          <a:fillRef idx="0">
-            <a:schemeClr val="accent1"/>
-          </a:fillRef>
-          <a:effectRef idx="0">
-            <a:schemeClr val="accent1"/>
-          </a:effectRef>
-          <a:fontRef idx="minor">
-            <a:schemeClr val="tx1"/>
-          </a:fontRef>
-        </p:style>
-      </p:cxnSp>
-      <p:sp>
-        <p:nvSpPr>
-          <p:cNvPr id="32" name="矩形: 圆角 31">
-            <a:extLst>
-              <a:ext uri="{FF2B5EF4-FFF2-40B4-BE49-F238E27FC236}">
-                <a16:creationId xmlns:a16="http://schemas.microsoft.com/office/drawing/2014/main" id="{484657FC-8BB8-966E-B93A-CEFFBEF6E514}"/>
-              </a:ext>
-            </a:extLst>
-          </p:cNvPr>
-          <p:cNvSpPr/>
-          <p:nvPr/>
-        </p:nvSpPr>
-        <p:spPr>
-          <a:xfrm>
-            <a:off x="7134101" y="651566"/>
-            <a:ext cx="1822009" cy="3582231"/>
-          </a:xfrm>
-          <a:prstGeom prst="roundRect">
-            <a:avLst/>
-          </a:prstGeom>
-          <a:noFill/>
-          <a:ln>
-            <a:solidFill>
-              <a:srgbClr val="FF0000"/>
-            </a:solidFill>
-          </a:ln>
-        </p:spPr>
-        <p:style>
-          <a:lnRef idx="2">
-            <a:schemeClr val="accent1">
-              <a:shade val="50000"/>
-            </a:schemeClr>
-          </a:lnRef>
-          <a:fillRef idx="1">
-            <a:schemeClr val="accent1"/>
-          </a:fillRef>
-          <a:effectRef idx="0">
-            <a:schemeClr val="accent1"/>
-          </a:effectRef>
-          <a:fontRef idx="minor">
-            <a:schemeClr val="lt1"/>
-          </a:fontRef>
-        </p:style>
-        <p:txBody>
-          <a:bodyPr rtlCol="0" anchor="ctr"/>
-          <a:lstStyle/>
-          <a:p>
-            <a:pPr algn="ctr"/>
-            <a:endParaRPr lang="zh-CN" altLang="en-US"/>
-          </a:p>
-        </p:txBody>
-      </p:sp>
-      <p:cxnSp>
-        <p:nvCxnSpPr>
-          <p:cNvPr id="33" name="直接箭头连接符 32">
-            <a:extLst>
-              <a:ext uri="{FF2B5EF4-FFF2-40B4-BE49-F238E27FC236}">
-                <a16:creationId xmlns:a16="http://schemas.microsoft.com/office/drawing/2014/main" id="{C514A109-A4AF-2463-A8F9-B20A045B04C0}"/>
-              </a:ext>
-            </a:extLst>
-          </p:cNvPr>
-          <p:cNvCxnSpPr>
-            <a:cxnSpLocks/>
-            <a:stCxn id="32" idx="3"/>
-            <a:endCxn id="13" idx="1"/>
-          </p:cNvCxnSpPr>
-          <p:nvPr/>
-        </p:nvCxnSpPr>
-        <p:spPr>
-          <a:xfrm>
-            <a:off x="8956110" y="2442682"/>
-            <a:ext cx="466632" cy="113775"/>
-          </a:xfrm>
-          <a:prstGeom prst="straightConnector1">
-            <a:avLst/>
-          </a:prstGeom>
-          <a:ln>
-            <a:tailEnd type="triangle"/>
-          </a:ln>
-        </p:spPr>
-        <p:style>
-          <a:lnRef idx="1">
-            <a:schemeClr val="accent1"/>
-          </a:lnRef>
-          <a:fillRef idx="0">
-            <a:schemeClr val="accent1"/>
-          </a:fillRef>
-          <a:effectRef idx="0">
-            <a:schemeClr val="accent1"/>
-          </a:effectRef>
-          <a:fontRef idx="minor">
-            <a:schemeClr val="tx1"/>
-          </a:fontRef>
-        </p:style>
-      </p:cxnSp>
-      <p:cxnSp>
-        <p:nvCxnSpPr>
-          <p:cNvPr id="34" name="直接连接符 33">
-            <a:extLst>
-              <a:ext uri="{FF2B5EF4-FFF2-40B4-BE49-F238E27FC236}">
-                <a16:creationId xmlns:a16="http://schemas.microsoft.com/office/drawing/2014/main" id="{7CFD8A7F-213A-ADFB-4D93-528C8D084E94}"/>
-              </a:ext>
-            </a:extLst>
-          </p:cNvPr>
-          <p:cNvCxnSpPr>
-            <a:cxnSpLocks/>
-            <a:stCxn id="13" idx="2"/>
-          </p:cNvCxnSpPr>
-          <p:nvPr/>
-        </p:nvCxnSpPr>
-        <p:spPr>
-          <a:xfrm flipH="1">
-            <a:off x="10672176" y="3166128"/>
-            <a:ext cx="4286" cy="2126118"/>
-          </a:xfrm>
-          <a:prstGeom prst="line">
-            <a:avLst/>
-          </a:prstGeom>
-          <a:ln w="12700"/>
-        </p:spPr>
-        <p:style>
-          <a:lnRef idx="1">
-            <a:schemeClr val="accent1"/>
-          </a:lnRef>
-          <a:fillRef idx="0">
-            <a:schemeClr val="accent1"/>
-          </a:fillRef>
-          <a:effectRef idx="0">
-            <a:schemeClr val="accent1"/>
-          </a:effectRef>
-          <a:fontRef idx="minor">
-            <a:schemeClr val="tx1"/>
-          </a:fontRef>
-        </p:style>
-      </p:cxnSp>
-      <p:cxnSp>
-        <p:nvCxnSpPr>
-          <p:cNvPr id="35" name="直接连接符 34">
-            <a:extLst>
-              <a:ext uri="{FF2B5EF4-FFF2-40B4-BE49-F238E27FC236}">
-                <a16:creationId xmlns:a16="http://schemas.microsoft.com/office/drawing/2014/main" id="{69EE03A6-E332-2C34-6B89-32BC2706FD93}"/>
-              </a:ext>
-            </a:extLst>
-          </p:cNvPr>
-          <p:cNvCxnSpPr/>
-          <p:nvPr/>
-        </p:nvCxnSpPr>
-        <p:spPr>
-          <a:xfrm flipH="1">
-            <a:off x="638828" y="5292246"/>
-            <a:ext cx="10033348" cy="0"/>
-          </a:xfrm>
-          <a:prstGeom prst="line">
-            <a:avLst/>
-          </a:prstGeom>
-          <a:ln w="12700"/>
-        </p:spPr>
-        <p:style>
-          <a:lnRef idx="1">
-            <a:schemeClr val="accent1"/>
-          </a:lnRef>
-          <a:fillRef idx="0">
-            <a:schemeClr val="accent1"/>
-          </a:fillRef>
-          <a:effectRef idx="0">
-            <a:schemeClr val="accent1"/>
-          </a:effectRef>
-          <a:fontRef idx="minor">
-            <a:schemeClr val="tx1"/>
-          </a:fontRef>
-        </p:style>
-      </p:cxnSp>
-      <p:cxnSp>
-        <p:nvCxnSpPr>
-          <p:cNvPr id="36" name="直接箭头连接符 35">
-            <a:extLst>
-              <a:ext uri="{FF2B5EF4-FFF2-40B4-BE49-F238E27FC236}">
-                <a16:creationId xmlns:a16="http://schemas.microsoft.com/office/drawing/2014/main" id="{06552DEE-938D-4E3A-36CC-CE8BB83DF6D4}"/>
-              </a:ext>
-            </a:extLst>
-          </p:cNvPr>
-          <p:cNvCxnSpPr>
-            <a:cxnSpLocks/>
-            <a:endCxn id="4" idx="2"/>
-          </p:cNvCxnSpPr>
-          <p:nvPr/>
-        </p:nvCxnSpPr>
-        <p:spPr>
-          <a:xfrm flipH="1" flipV="1">
-            <a:off x="643919" y="2834627"/>
-            <a:ext cx="5975" cy="2438966"/>
-          </a:xfrm>
-          <a:prstGeom prst="straightConnector1">
-            <a:avLst/>
-          </a:prstGeom>
-          <a:ln w="12700">
-            <a:tailEnd type="triangle"/>
-          </a:ln>
-        </p:spPr>
-        <p:style>
-          <a:lnRef idx="1">
-            <a:schemeClr val="accent1"/>
-          </a:lnRef>
-          <a:fillRef idx="0">
-            <a:schemeClr val="accent1"/>
-          </a:fillRef>
-          <a:effectRef idx="0">
-            <a:schemeClr val="accent1"/>
-          </a:effectRef>
-          <a:fontRef idx="minor">
-            <a:schemeClr val="tx1"/>
-          </a:fontRef>
-        </p:style>
-      </p:cxnSp>
-      <p:sp>
-        <p:nvSpPr>
-          <p:cNvPr id="37" name="文本框 36">
-            <a:extLst>
-              <a:ext uri="{FF2B5EF4-FFF2-40B4-BE49-F238E27FC236}">
-                <a16:creationId xmlns:a16="http://schemas.microsoft.com/office/drawing/2014/main" id="{37AD28BF-693D-3CAD-4830-35214ECFA34E}"/>
-              </a:ext>
-            </a:extLst>
-          </p:cNvPr>
-          <p:cNvSpPr txBox="1"/>
-          <p:nvPr/>
-        </p:nvSpPr>
-        <p:spPr>
-          <a:xfrm>
-            <a:off x="4863038" y="5410648"/>
-            <a:ext cx="902811" cy="307777"/>
-          </a:xfrm>
-          <a:prstGeom prst="rect">
-            <a:avLst/>
-          </a:prstGeom>
-          <a:noFill/>
-        </p:spPr>
-        <p:txBody>
-          <a:bodyPr wrap="none" rtlCol="0">
-            <a:spAutoFit/>
-          </a:bodyPr>
-          <a:lstStyle/>
-          <a:p>
-            <a:r>
-              <a:rPr lang="zh-CN" altLang="en-US" sz="1400" dirty="0">
-                <a:latin typeface="Times New Roman" panose="02020603050405020304" pitchFamily="18" charset="0"/>
-                <a:ea typeface="宋体" panose="02010600030101010101" pitchFamily="2" charset="-122"/>
-                <a:cs typeface="Times New Roman" panose="02020603050405020304" pitchFamily="18" charset="0"/>
-              </a:rPr>
-              <a:t>返回结果</a:t>
-            </a:r>
-            <a:endParaRPr lang="zh-CN" altLang="en-US" sz="1400" dirty="0">
-              <a:latin typeface="宋体" panose="02010600030101010101" pitchFamily="2" charset="-122"/>
-              <a:ea typeface="宋体" panose="02010600030101010101" pitchFamily="2" charset="-122"/>
-              <a:cs typeface="Times New Roman" panose="02020603050405020304" pitchFamily="18" charset="0"/>
-            </a:endParaRPr>
-          </a:p>
-        </p:txBody>
-      </p:sp>
-      <p:sp>
-        <p:nvSpPr>
-          <p:cNvPr id="38" name="矩形 37">
-            <a:extLst>
-              <a:ext uri="{FF2B5EF4-FFF2-40B4-BE49-F238E27FC236}">
-                <a16:creationId xmlns:a16="http://schemas.microsoft.com/office/drawing/2014/main" id="{C739DECA-1A61-B5F7-69B8-9BF1DE46A6CD}"/>
-              </a:ext>
-            </a:extLst>
-          </p:cNvPr>
-          <p:cNvSpPr/>
-          <p:nvPr/>
-        </p:nvSpPr>
-        <p:spPr>
-          <a:xfrm>
-            <a:off x="4863038" y="5410639"/>
-            <a:ext cx="902811" cy="307778"/>
-          </a:xfrm>
-          <a:prstGeom prst="rect">
-            <a:avLst/>
-          </a:prstGeom>
-          <a:noFill/>
-          <a:ln w="19050">
-            <a:solidFill>
-              <a:srgbClr val="00B0F0"/>
-            </a:solidFill>
-          </a:ln>
-        </p:spPr>
-        <p:style>
-          <a:lnRef idx="2">
-            <a:schemeClr val="accent1">
-              <a:shade val="50000"/>
-            </a:schemeClr>
-          </a:lnRef>
-          <a:fillRef idx="1">
-            <a:schemeClr val="accent1"/>
-          </a:fillRef>
-          <a:effectRef idx="0">
-            <a:schemeClr val="accent1"/>
-          </a:effectRef>
-          <a:fontRef idx="minor">
-            <a:schemeClr val="lt1"/>
-          </a:fontRef>
-        </p:style>
-        <p:txBody>
-          <a:bodyPr rtlCol="0" anchor="ctr"/>
-          <a:lstStyle/>
-          <a:p>
-            <a:pPr algn="ctr"/>
-            <a:endParaRPr lang="zh-CN" altLang="en-US"/>
-          </a:p>
-        </p:txBody>
-      </p:sp>
-      <p:sp>
-        <p:nvSpPr>
-          <p:cNvPr id="39" name="文本框 38">
-            <a:extLst>
-              <a:ext uri="{FF2B5EF4-FFF2-40B4-BE49-F238E27FC236}">
-                <a16:creationId xmlns:a16="http://schemas.microsoft.com/office/drawing/2014/main" id="{2C82686F-C0BD-6CF9-54EF-1103E11F0894}"/>
-              </a:ext>
-            </a:extLst>
-          </p:cNvPr>
-          <p:cNvSpPr txBox="1"/>
-          <p:nvPr/>
-        </p:nvSpPr>
-        <p:spPr>
-          <a:xfrm>
-            <a:off x="3652732" y="3084383"/>
-            <a:ext cx="1343638" cy="276999"/>
-          </a:xfrm>
-          <a:prstGeom prst="rect">
-            <a:avLst/>
-          </a:prstGeom>
-          <a:noFill/>
-        </p:spPr>
-        <p:txBody>
-          <a:bodyPr wrap="none" rtlCol="0">
-            <a:spAutoFit/>
-          </a:bodyPr>
-          <a:lstStyle/>
-          <a:p>
-            <a:r>
-              <a:rPr lang="en-US" altLang="zh-CN" sz="1200" dirty="0">
-                <a:solidFill>
-                  <a:schemeClr val="accent6">
-                    <a:lumMod val="75000"/>
-                  </a:schemeClr>
-                </a:solidFill>
-                <a:latin typeface="Times New Roman" panose="02020603050405020304" pitchFamily="18" charset="0"/>
-                <a:ea typeface="宋体" panose="02010600030101010101" pitchFamily="2" charset="-122"/>
-                <a:cs typeface="Times New Roman" panose="02020603050405020304" pitchFamily="18" charset="0"/>
-              </a:rPr>
-              <a:t>Redis </a:t>
-            </a:r>
-            <a:r>
-              <a:rPr lang="zh-CN" altLang="en-US" sz="1200" dirty="0">
-                <a:solidFill>
-                  <a:schemeClr val="accent6">
-                    <a:lumMod val="75000"/>
-                  </a:schemeClr>
-                </a:solidFill>
-                <a:latin typeface="Times New Roman" panose="02020603050405020304" pitchFamily="18" charset="0"/>
-                <a:ea typeface="宋体" panose="02010600030101010101" pitchFamily="2" charset="-122"/>
-                <a:cs typeface="Times New Roman" panose="02020603050405020304" pitchFamily="18" charset="0"/>
-              </a:rPr>
-              <a:t>数据库模块</a:t>
-            </a:r>
-          </a:p>
-        </p:txBody>
-      </p:sp>
-      <p:sp>
-        <p:nvSpPr>
-          <p:cNvPr id="40" name="箭头: 下 39">
-            <a:extLst>
-              <a:ext uri="{FF2B5EF4-FFF2-40B4-BE49-F238E27FC236}">
-                <a16:creationId xmlns:a16="http://schemas.microsoft.com/office/drawing/2014/main" id="{BF5F02D4-967A-A659-0C92-EBA1E2959529}"/>
-              </a:ext>
-            </a:extLst>
-          </p:cNvPr>
-          <p:cNvSpPr/>
-          <p:nvPr/>
-        </p:nvSpPr>
-        <p:spPr>
-          <a:xfrm>
-            <a:off x="3532340" y="1053211"/>
-            <a:ext cx="341182" cy="644858"/>
-          </a:xfrm>
-          <a:prstGeom prst="downArrow">
-            <a:avLst/>
-          </a:prstGeom>
-          <a:solidFill>
-            <a:schemeClr val="accent4">
-              <a:lumMod val="20000"/>
-              <a:lumOff val="80000"/>
-            </a:schemeClr>
-          </a:solidFill>
-          <a:ln>
-            <a:solidFill>
-              <a:schemeClr val="accent4">
-                <a:lumMod val="40000"/>
-                <a:lumOff val="60000"/>
-              </a:schemeClr>
-            </a:solidFill>
-            <a:prstDash val="sysDash"/>
-          </a:ln>
-        </p:spPr>
-        <p:style>
-          <a:lnRef idx="2">
-            <a:schemeClr val="accent1">
-              <a:shade val="50000"/>
-            </a:schemeClr>
-          </a:lnRef>
-          <a:fillRef idx="1">
-            <a:schemeClr val="accent1"/>
-          </a:fillRef>
-          <a:effectRef idx="0">
-            <a:schemeClr val="accent1"/>
-          </a:effectRef>
-          <a:fontRef idx="minor">
-            <a:schemeClr val="lt1"/>
-          </a:fontRef>
-        </p:style>
-        <p:txBody>
-          <a:bodyPr rtlCol="0" anchor="ctr"/>
-          <a:lstStyle/>
-          <a:p>
-            <a:pPr algn="ctr"/>
-            <a:endParaRPr lang="zh-CN" altLang="en-US"/>
-          </a:p>
-        </p:txBody>
-      </p:sp>
-      <p:sp>
-        <p:nvSpPr>
-          <p:cNvPr id="41" name="文本框 40">
-            <a:extLst>
-              <a:ext uri="{FF2B5EF4-FFF2-40B4-BE49-F238E27FC236}">
-                <a16:creationId xmlns:a16="http://schemas.microsoft.com/office/drawing/2014/main" id="{1044246A-58C5-E4A6-580F-0D7541AF35C6}"/>
-              </a:ext>
-            </a:extLst>
-          </p:cNvPr>
-          <p:cNvSpPr txBox="1"/>
-          <p:nvPr/>
-        </p:nvSpPr>
-        <p:spPr>
-          <a:xfrm>
-            <a:off x="2899255" y="599588"/>
-            <a:ext cx="1709122" cy="338554"/>
-          </a:xfrm>
-          <a:prstGeom prst="rect">
-            <a:avLst/>
-          </a:prstGeom>
-          <a:noFill/>
-        </p:spPr>
-        <p:txBody>
-          <a:bodyPr wrap="none" rtlCol="0">
-            <a:spAutoFit/>
-          </a:bodyPr>
-          <a:lstStyle/>
-          <a:p>
-            <a:r>
-              <a:rPr lang="en-US" altLang="zh-CN" sz="1600" b="1" dirty="0">
-                <a:solidFill>
-                  <a:schemeClr val="accent6">
-                    <a:lumMod val="60000"/>
-                    <a:lumOff val="40000"/>
-                  </a:schemeClr>
-                </a:solidFill>
-                <a:latin typeface="Times New Roman" panose="02020603050405020304" pitchFamily="18" charset="0"/>
-                <a:ea typeface="宋体" panose="02010600030101010101" pitchFamily="2" charset="-122"/>
-                <a:cs typeface="Times New Roman" panose="02020603050405020304" pitchFamily="18" charset="0"/>
-              </a:rPr>
-              <a:t>Redis</a:t>
-            </a:r>
-            <a:r>
-              <a:rPr lang="zh-CN" altLang="en-US" sz="1600" b="1" dirty="0">
-                <a:solidFill>
-                  <a:schemeClr val="accent6">
-                    <a:lumMod val="60000"/>
-                    <a:lumOff val="40000"/>
-                  </a:schemeClr>
-                </a:solidFill>
-                <a:latin typeface="Times New Roman" panose="02020603050405020304" pitchFamily="18" charset="0"/>
-                <a:ea typeface="宋体" panose="02010600030101010101" pitchFamily="2" charset="-122"/>
-                <a:cs typeface="Times New Roman" panose="02020603050405020304" pitchFamily="18" charset="0"/>
-              </a:rPr>
-              <a:t>数据库扩充</a:t>
-            </a:r>
-          </a:p>
-        </p:txBody>
-      </p:sp>
-      <p:sp>
-        <p:nvSpPr>
-          <p:cNvPr id="42" name="矩形: 圆角 41">
-            <a:extLst>
-              <a:ext uri="{FF2B5EF4-FFF2-40B4-BE49-F238E27FC236}">
-                <a16:creationId xmlns:a16="http://schemas.microsoft.com/office/drawing/2014/main" id="{A266CB1D-B58B-8D2D-3C6F-52E98605BDF2}"/>
-              </a:ext>
-            </a:extLst>
-          </p:cNvPr>
-          <p:cNvSpPr/>
-          <p:nvPr/>
-        </p:nvSpPr>
-        <p:spPr>
-          <a:xfrm>
-            <a:off x="2883076" y="582524"/>
-            <a:ext cx="1722223" cy="336459"/>
-          </a:xfrm>
-          <a:prstGeom prst="roundRect">
-            <a:avLst/>
-          </a:prstGeom>
-          <a:noFill/>
-          <a:ln w="12700">
-            <a:solidFill>
-              <a:schemeClr val="accent4">
-                <a:lumMod val="60000"/>
-                <a:lumOff val="40000"/>
-              </a:schemeClr>
-            </a:solidFill>
-            <a:prstDash val="sysDash"/>
-          </a:ln>
-        </p:spPr>
-        <p:style>
-          <a:lnRef idx="2">
-            <a:schemeClr val="accent1">
-              <a:shade val="50000"/>
-            </a:schemeClr>
-          </a:lnRef>
-          <a:fillRef idx="1">
-            <a:schemeClr val="accent1"/>
-          </a:fillRef>
-          <a:effectRef idx="0">
-            <a:schemeClr val="accent1"/>
-          </a:effectRef>
-          <a:fontRef idx="minor">
-            <a:schemeClr val="lt1"/>
-          </a:fontRef>
-        </p:style>
-        <p:txBody>
-          <a:bodyPr rtlCol="0" anchor="ctr"/>
-          <a:lstStyle/>
-          <a:p>
-            <a:pPr algn="ctr"/>
-            <a:endParaRPr lang="zh-CN" altLang="en-US"/>
-          </a:p>
-        </p:txBody>
-      </p:sp>
-      <p:sp>
-        <p:nvSpPr>
-          <p:cNvPr id="43" name="箭头: 下 42">
-            <a:extLst>
-              <a:ext uri="{FF2B5EF4-FFF2-40B4-BE49-F238E27FC236}">
-                <a16:creationId xmlns:a16="http://schemas.microsoft.com/office/drawing/2014/main" id="{F712E9C2-AA56-CCD1-E245-BB29529713A3}"/>
-              </a:ext>
-            </a:extLst>
-          </p:cNvPr>
-          <p:cNvSpPr/>
-          <p:nvPr/>
-        </p:nvSpPr>
-        <p:spPr>
-          <a:xfrm>
-            <a:off x="3399171" y="3571725"/>
-            <a:ext cx="994744" cy="3092123"/>
-          </a:xfrm>
-          <a:prstGeom prst="downArrow">
-            <a:avLst/>
-          </a:prstGeom>
-          <a:solidFill>
-            <a:schemeClr val="accent6">
-              <a:lumMod val="20000"/>
-              <a:lumOff val="80000"/>
-            </a:schemeClr>
-          </a:solidFill>
-          <a:ln w="9525">
-            <a:prstDash val="lgDashDotDot"/>
-          </a:ln>
-        </p:spPr>
-        <p:style>
-          <a:lnRef idx="2">
-            <a:schemeClr val="accent1">
-              <a:shade val="50000"/>
-            </a:schemeClr>
-          </a:lnRef>
-          <a:fillRef idx="1">
-            <a:schemeClr val="accent1"/>
-          </a:fillRef>
-          <a:effectRef idx="0">
-            <a:schemeClr val="accent1"/>
-          </a:effectRef>
-          <a:fontRef idx="minor">
-            <a:schemeClr val="lt1"/>
-          </a:fontRef>
-        </p:style>
-        <p:txBody>
-          <a:bodyPr rtlCol="0" anchor="ctr"/>
-          <a:lstStyle/>
-          <a:p>
-            <a:pPr algn="ctr"/>
-            <a:endParaRPr lang="zh-CN" altLang="en-US"/>
+              <a:t>、代码补全的技术方案整合梳理</a:t>
+            </a:r>
           </a:p>
         </p:txBody>
       </p:sp>
     </p:spTree>
     <p:extLst>
       <p:ext uri="{BB962C8B-B14F-4D97-AF65-F5344CB8AC3E}">
-        <p14:creationId xmlns:p14="http://schemas.microsoft.com/office/powerpoint/2010/main" val="1340977979"/>
+        <p14:creationId xmlns:p14="http://schemas.microsoft.com/office/powerpoint/2010/main" val="798219321"/>
       </p:ext>
     </p:extLst>
   </p:cSld>
@@ -25669,7 +25669,7 @@
             <a:prstDash val="solid"/>
             <a:extLst>
               <a:ext uri="{C807C97D-BFC1-408E-A445-0C87EB9F89A2}">
-                <ask:lineSketchStyleProps xmlns:ask="http://schemas.microsoft.com/office/drawing/2018/sketchyshapes">
+                <ask:lineSketchStyleProps xmlns:ask="http://schemas.microsoft.com/office/drawing/2018/sketchyshapes" xmlns="">
                   <ask:type>
                     <ask:lineSketchNone/>
                   </ask:type>
